--- a/procesos/InsiDesarrolloSistemas2019.pptx
+++ b/procesos/InsiDesarrolloSistemas2019.pptx
@@ -129,6 +129,22 @@
       </a:defRPr>
     </a:lvl9pPr>
   </p:defaultTextStyle>
+  <p:extLst>
+    <p:ext uri="{EFAFB233-063F-42B5-8137-9DF3F51BA10A}">
+      <p15:sldGuideLst xmlns:p15="http://schemas.microsoft.com/office/powerpoint/2012/main">
+        <p15:guide id="1" orient="horz" pos="1800">
+          <p15:clr>
+            <a:srgbClr val="A4A3A4"/>
+          </p15:clr>
+        </p15:guide>
+        <p15:guide id="2" pos="2880">
+          <p15:clr>
+            <a:srgbClr val="A4A3A4"/>
+          </p15:clr>
+        </p15:guide>
+      </p15:sldGuideLst>
+    </p:ext>
+  </p:extLst>
 </p:presentation>
 </file>
 
@@ -215,7 +231,7 @@
             <a:fld id="{FF689DF1-2F30-41B2-B41C-37E7BEE505EF}" type="datetimeFigureOut">
               <a:rPr lang="en-US" smtClean="0"/>
               <a:pPr/>
-              <a:t>2/14/2019</a:t>
+              <a:t>2/17/2019</a:t>
             </a:fld>
             <a:endParaRPr lang="en-US"/>
           </a:p>
@@ -281,38 +297,37 @@
           <a:p>
             <a:pPr lvl="0"/>
             <a:r>
-              <a:rPr lang="en-US" smtClean="0"/>
+              <a:rPr lang="en-US"/>
               <a:t>Click to edit Master text styles</a:t>
             </a:r>
           </a:p>
           <a:p>
             <a:pPr lvl="1"/>
             <a:r>
-              <a:rPr lang="en-US" smtClean="0"/>
+              <a:rPr lang="en-US"/>
               <a:t>Second level</a:t>
             </a:r>
           </a:p>
           <a:p>
             <a:pPr lvl="2"/>
             <a:r>
-              <a:rPr lang="en-US" smtClean="0"/>
+              <a:rPr lang="en-US"/>
               <a:t>Third level</a:t>
             </a:r>
           </a:p>
           <a:p>
             <a:pPr lvl="3"/>
             <a:r>
-              <a:rPr lang="en-US" smtClean="0"/>
+              <a:rPr lang="en-US"/>
               <a:t>Fourth level</a:t>
             </a:r>
           </a:p>
           <a:p>
             <a:pPr lvl="4"/>
             <a:r>
-              <a:rPr lang="en-US" smtClean="0"/>
+              <a:rPr lang="en-US"/>
               <a:t>Fifth level</a:t>
             </a:r>
-            <a:endParaRPr lang="en-US"/>
           </a:p>
         </p:txBody>
       </p:sp>
@@ -386,7 +401,7 @@
     </p:spTree>
     <p:extLst>
       <p:ext uri="{BB962C8B-B14F-4D97-AF65-F5344CB8AC3E}">
-        <p14:creationId xmlns="" xmlns:p14="http://schemas.microsoft.com/office/powerpoint/2010/main" val="519311357"/>
+        <p14:creationId xmlns:p14="http://schemas.microsoft.com/office/powerpoint/2010/main" val="519311357"/>
       </p:ext>
     </p:extLst>
   </p:cSld>
@@ -550,7 +565,7 @@
               <a:defRPr/>
             </a:pPr>
             <a:r>
-              <a:rPr lang="es-PE" dirty="0" smtClean="0">
+              <a:rPr lang="es-PE" dirty="0">
                 <a:solidFill>
                   <a:schemeClr val="tx2">
                     <a:lumMod val="75000"/>
@@ -560,7 +575,7 @@
               <a:t>Por favor, antes de empezar a elaborar tu presentación, copia y abre el siguiente</a:t>
             </a:r>
             <a:r>
-              <a:rPr lang="es-PE" baseline="0" dirty="0" smtClean="0">
+              <a:rPr lang="es-PE" baseline="0" dirty="0">
                 <a:solidFill>
                   <a:schemeClr val="tx2">
                     <a:lumMod val="75000"/>
@@ -570,7 +585,7 @@
               <a:t> </a:t>
             </a:r>
             <a:r>
-              <a:rPr lang="es-PE" dirty="0" smtClean="0">
+              <a:rPr lang="es-PE" dirty="0">
                 <a:solidFill>
                   <a:schemeClr val="tx2">
                     <a:lumMod val="75000"/>
@@ -580,7 +595,7 @@
               <a:t>enlace en tu navegador, para conocer las consideraciones a tener en cuenta:</a:t>
             </a:r>
             <a:br>
-              <a:rPr lang="es-PE" dirty="0" smtClean="0">
+              <a:rPr lang="es-PE" dirty="0">
                 <a:solidFill>
                   <a:schemeClr val="tx2">
                     <a:lumMod val="75000"/>
@@ -589,7 +604,7 @@
               </a:rPr>
             </a:br>
             <a:r>
-              <a:rPr lang="es-PE" sz="1400" b="1" baseline="0" dirty="0" smtClean="0">
+              <a:rPr lang="es-PE" sz="1400" b="1" baseline="0" dirty="0">
                 <a:solidFill>
                   <a:srgbClr val="0070C0"/>
                 </a:solidFill>
@@ -597,7 +612,7 @@
               <a:t>http://bit.ly/consideraciones_powerpoint</a:t>
             </a:r>
             <a:r>
-              <a:rPr lang="es-PE" sz="1400" baseline="0" dirty="0" smtClean="0">
+              <a:rPr lang="es-PE" sz="1400" baseline="0" dirty="0">
                 <a:solidFill>
                   <a:schemeClr val="tx2">
                     <a:lumMod val="75000"/>
@@ -606,7 +621,7 @@
               </a:rPr>
               <a:t> </a:t>
             </a:r>
-            <a:endParaRPr lang="es-PE" sz="1400" dirty="0" smtClean="0">
+            <a:endParaRPr lang="es-PE" sz="1400" dirty="0">
               <a:solidFill>
                 <a:schemeClr val="tx2">
                   <a:lumMod val="75000"/>
@@ -723,7 +738,7 @@
     </p:spTree>
     <p:extLst>
       <p:ext uri="{BB962C8B-B14F-4D97-AF65-F5344CB8AC3E}">
-        <p14:creationId xmlns="" xmlns:p14="http://schemas.microsoft.com/office/powerpoint/2010/main" val="3867640057"/>
+        <p14:creationId xmlns:p14="http://schemas.microsoft.com/office/powerpoint/2010/main" val="3867640057"/>
       </p:ext>
     </p:extLst>
   </p:cSld>
@@ -808,7 +823,7 @@
     </p:spTree>
     <p:extLst>
       <p:ext uri="{BB962C8B-B14F-4D97-AF65-F5344CB8AC3E}">
-        <p14:creationId xmlns="" xmlns:p14="http://schemas.microsoft.com/office/powerpoint/2010/main" val="3867640057"/>
+        <p14:creationId xmlns:p14="http://schemas.microsoft.com/office/powerpoint/2010/main" val="3867640057"/>
       </p:ext>
     </p:extLst>
   </p:cSld>
@@ -893,7 +908,7 @@
     </p:spTree>
     <p:extLst>
       <p:ext uri="{BB962C8B-B14F-4D97-AF65-F5344CB8AC3E}">
-        <p14:creationId xmlns="" xmlns:p14="http://schemas.microsoft.com/office/powerpoint/2010/main" val="3867640057"/>
+        <p14:creationId xmlns:p14="http://schemas.microsoft.com/office/powerpoint/2010/main" val="3867640057"/>
       </p:ext>
     </p:extLst>
   </p:cSld>
@@ -978,7 +993,7 @@
     </p:spTree>
     <p:extLst>
       <p:ext uri="{BB962C8B-B14F-4D97-AF65-F5344CB8AC3E}">
-        <p14:creationId xmlns="" xmlns:p14="http://schemas.microsoft.com/office/powerpoint/2010/main" val="3867640057"/>
+        <p14:creationId xmlns:p14="http://schemas.microsoft.com/office/powerpoint/2010/main" val="3867640057"/>
       </p:ext>
     </p:extLst>
   </p:cSld>
@@ -1063,7 +1078,7 @@
     </p:spTree>
     <p:extLst>
       <p:ext uri="{BB962C8B-B14F-4D97-AF65-F5344CB8AC3E}">
-        <p14:creationId xmlns="" xmlns:p14="http://schemas.microsoft.com/office/powerpoint/2010/main" val="3867640057"/>
+        <p14:creationId xmlns:p14="http://schemas.microsoft.com/office/powerpoint/2010/main" val="3867640057"/>
       </p:ext>
     </p:extLst>
   </p:cSld>
@@ -1148,7 +1163,7 @@
     </p:spTree>
     <p:extLst>
       <p:ext uri="{BB962C8B-B14F-4D97-AF65-F5344CB8AC3E}">
-        <p14:creationId xmlns="" xmlns:p14="http://schemas.microsoft.com/office/powerpoint/2010/main" val="3867640057"/>
+        <p14:creationId xmlns:p14="http://schemas.microsoft.com/office/powerpoint/2010/main" val="3867640057"/>
       </p:ext>
     </p:extLst>
   </p:cSld>
@@ -1233,7 +1248,7 @@
     </p:spTree>
     <p:extLst>
       <p:ext uri="{BB962C8B-B14F-4D97-AF65-F5344CB8AC3E}">
-        <p14:creationId xmlns="" xmlns:p14="http://schemas.microsoft.com/office/powerpoint/2010/main" val="3867640057"/>
+        <p14:creationId xmlns:p14="http://schemas.microsoft.com/office/powerpoint/2010/main" val="3867640057"/>
       </p:ext>
     </p:extLst>
   </p:cSld>
@@ -1318,7 +1333,7 @@
     </p:spTree>
     <p:extLst>
       <p:ext uri="{BB962C8B-B14F-4D97-AF65-F5344CB8AC3E}">
-        <p14:creationId xmlns="" xmlns:p14="http://schemas.microsoft.com/office/powerpoint/2010/main" val="3867640057"/>
+        <p14:creationId xmlns:p14="http://schemas.microsoft.com/office/powerpoint/2010/main" val="3867640057"/>
       </p:ext>
     </p:extLst>
   </p:cSld>
@@ -1403,7 +1418,7 @@
     </p:spTree>
     <p:extLst>
       <p:ext uri="{BB962C8B-B14F-4D97-AF65-F5344CB8AC3E}">
-        <p14:creationId xmlns="" xmlns:p14="http://schemas.microsoft.com/office/powerpoint/2010/main" val="3867640057"/>
+        <p14:creationId xmlns:p14="http://schemas.microsoft.com/office/powerpoint/2010/main" val="3867640057"/>
       </p:ext>
     </p:extLst>
   </p:cSld>
@@ -1488,7 +1503,7 @@
     </p:spTree>
     <p:extLst>
       <p:ext uri="{BB962C8B-B14F-4D97-AF65-F5344CB8AC3E}">
-        <p14:creationId xmlns="" xmlns:p14="http://schemas.microsoft.com/office/powerpoint/2010/main" val="3867640057"/>
+        <p14:creationId xmlns:p14="http://schemas.microsoft.com/office/powerpoint/2010/main" val="3867640057"/>
       </p:ext>
     </p:extLst>
   </p:cSld>
@@ -1573,7 +1588,7 @@
     </p:spTree>
     <p:extLst>
       <p:ext uri="{BB962C8B-B14F-4D97-AF65-F5344CB8AC3E}">
-        <p14:creationId xmlns="" xmlns:p14="http://schemas.microsoft.com/office/powerpoint/2010/main" val="3867640057"/>
+        <p14:creationId xmlns:p14="http://schemas.microsoft.com/office/powerpoint/2010/main" val="3867640057"/>
       </p:ext>
     </p:extLst>
   </p:cSld>
@@ -1658,7 +1673,7 @@
     </p:spTree>
     <p:extLst>
       <p:ext uri="{BB962C8B-B14F-4D97-AF65-F5344CB8AC3E}">
-        <p14:creationId xmlns="" xmlns:p14="http://schemas.microsoft.com/office/powerpoint/2010/main" val="3867640057"/>
+        <p14:creationId xmlns:p14="http://schemas.microsoft.com/office/powerpoint/2010/main" val="3867640057"/>
       </p:ext>
     </p:extLst>
   </p:cSld>
@@ -1743,7 +1758,7 @@
     </p:spTree>
     <p:extLst>
       <p:ext uri="{BB962C8B-B14F-4D97-AF65-F5344CB8AC3E}">
-        <p14:creationId xmlns="" xmlns:p14="http://schemas.microsoft.com/office/powerpoint/2010/main" val="3867640057"/>
+        <p14:creationId xmlns:p14="http://schemas.microsoft.com/office/powerpoint/2010/main" val="3867640057"/>
       </p:ext>
     </p:extLst>
   </p:cSld>
@@ -1828,7 +1843,7 @@
     </p:spTree>
     <p:extLst>
       <p:ext uri="{BB962C8B-B14F-4D97-AF65-F5344CB8AC3E}">
-        <p14:creationId xmlns="" xmlns:p14="http://schemas.microsoft.com/office/powerpoint/2010/main" val="4248310929"/>
+        <p14:creationId xmlns:p14="http://schemas.microsoft.com/office/powerpoint/2010/main" val="4248310929"/>
       </p:ext>
     </p:extLst>
   </p:cSld>
@@ -1913,7 +1928,7 @@
     </p:spTree>
     <p:extLst>
       <p:ext uri="{BB962C8B-B14F-4D97-AF65-F5344CB8AC3E}">
-        <p14:creationId xmlns="" xmlns:p14="http://schemas.microsoft.com/office/powerpoint/2010/main" val="1274377586"/>
+        <p14:creationId xmlns:p14="http://schemas.microsoft.com/office/powerpoint/2010/main" val="1274377586"/>
       </p:ext>
     </p:extLst>
   </p:cSld>
@@ -1998,7 +2013,7 @@
     </p:spTree>
     <p:extLst>
       <p:ext uri="{BB962C8B-B14F-4D97-AF65-F5344CB8AC3E}">
-        <p14:creationId xmlns="" xmlns:p14="http://schemas.microsoft.com/office/powerpoint/2010/main" val="3867640057"/>
+        <p14:creationId xmlns:p14="http://schemas.microsoft.com/office/powerpoint/2010/main" val="3867640057"/>
       </p:ext>
     </p:extLst>
   </p:cSld>
@@ -2083,7 +2098,7 @@
     </p:spTree>
     <p:extLst>
       <p:ext uri="{BB962C8B-B14F-4D97-AF65-F5344CB8AC3E}">
-        <p14:creationId xmlns="" xmlns:p14="http://schemas.microsoft.com/office/powerpoint/2010/main" val="3867640057"/>
+        <p14:creationId xmlns:p14="http://schemas.microsoft.com/office/powerpoint/2010/main" val="3867640057"/>
       </p:ext>
     </p:extLst>
   </p:cSld>
@@ -2168,7 +2183,7 @@
     </p:spTree>
     <p:extLst>
       <p:ext uri="{BB962C8B-B14F-4D97-AF65-F5344CB8AC3E}">
-        <p14:creationId xmlns="" xmlns:p14="http://schemas.microsoft.com/office/powerpoint/2010/main" val="3867640057"/>
+        <p14:creationId xmlns:p14="http://schemas.microsoft.com/office/powerpoint/2010/main" val="3867640057"/>
       </p:ext>
     </p:extLst>
   </p:cSld>
@@ -2253,7 +2268,7 @@
     </p:spTree>
     <p:extLst>
       <p:ext uri="{BB962C8B-B14F-4D97-AF65-F5344CB8AC3E}">
-        <p14:creationId xmlns="" xmlns:p14="http://schemas.microsoft.com/office/powerpoint/2010/main" val="3867640057"/>
+        <p14:creationId xmlns:p14="http://schemas.microsoft.com/office/powerpoint/2010/main" val="3867640057"/>
       </p:ext>
     </p:extLst>
   </p:cSld>
@@ -2338,7 +2353,7 @@
     </p:spTree>
     <p:extLst>
       <p:ext uri="{BB962C8B-B14F-4D97-AF65-F5344CB8AC3E}">
-        <p14:creationId xmlns="" xmlns:p14="http://schemas.microsoft.com/office/powerpoint/2010/main" val="3867640057"/>
+        <p14:creationId xmlns:p14="http://schemas.microsoft.com/office/powerpoint/2010/main" val="3867640057"/>
       </p:ext>
     </p:extLst>
   </p:cSld>
@@ -2423,7 +2438,7 @@
     </p:spTree>
     <p:extLst>
       <p:ext uri="{BB962C8B-B14F-4D97-AF65-F5344CB8AC3E}">
-        <p14:creationId xmlns="" xmlns:p14="http://schemas.microsoft.com/office/powerpoint/2010/main" val="3867640057"/>
+        <p14:creationId xmlns:p14="http://schemas.microsoft.com/office/powerpoint/2010/main" val="3867640057"/>
       </p:ext>
     </p:extLst>
   </p:cSld>
@@ -2508,7 +2523,7 @@
     </p:spTree>
     <p:extLst>
       <p:ext uri="{BB962C8B-B14F-4D97-AF65-F5344CB8AC3E}">
-        <p14:creationId xmlns="" xmlns:p14="http://schemas.microsoft.com/office/powerpoint/2010/main" val="3867640057"/>
+        <p14:creationId xmlns:p14="http://schemas.microsoft.com/office/powerpoint/2010/main" val="3867640057"/>
       </p:ext>
     </p:extLst>
   </p:cSld>
@@ -2556,7 +2571,7 @@
           <a:lstStyle/>
           <a:p>
             <a:r>
-              <a:rPr lang="es-ES_tradnl" smtClean="0"/>
+              <a:rPr lang="es-ES_tradnl"/>
               <a:t>Clic para editar título</a:t>
             </a:r>
             <a:endParaRPr lang="es-ES"/>
@@ -2675,7 +2690,7 @@
           </a:lstStyle>
           <a:p>
             <a:r>
-              <a:rPr lang="es-ES_tradnl" smtClean="0"/>
+              <a:rPr lang="es-ES_tradnl"/>
               <a:t>Haga clic para modificar el estilo de subtítulo del patrón</a:t>
             </a:r>
             <a:endParaRPr lang="es-ES"/>
@@ -2708,7 +2723,7 @@
             <a:fld id="{A5B4932B-C33C-584E-9877-A571BA3F4CA2}" type="datetimeFigureOut">
               <a:rPr lang="es-ES" smtClean="0"/>
               <a:pPr/>
-              <a:t>14/02/2019</a:t>
+              <a:t>17/02/2019</a:t>
             </a:fld>
             <a:endParaRPr lang="es-ES"/>
           </a:p>
@@ -2776,7 +2791,7 @@
     </p:spTree>
     <p:extLst>
       <p:ext uri="{BB962C8B-B14F-4D97-AF65-F5344CB8AC3E}">
-        <p14:creationId xmlns="" xmlns:p14="http://schemas.microsoft.com/office/powerpoint/2010/main" val="308865051"/>
+        <p14:creationId xmlns:p14="http://schemas.microsoft.com/office/powerpoint/2010/main" val="308865051"/>
       </p:ext>
     </p:extLst>
   </p:cSld>
@@ -2819,7 +2834,7 @@
           <a:lstStyle/>
           <a:p>
             <a:r>
-              <a:rPr lang="es-ES_tradnl" smtClean="0"/>
+              <a:rPr lang="es-ES_tradnl"/>
               <a:t>Clic para editar título</a:t>
             </a:r>
             <a:endParaRPr lang="es-ES"/>
@@ -2843,35 +2858,35 @@
           <a:p>
             <a:pPr lvl="0"/>
             <a:r>
-              <a:rPr lang="es-ES_tradnl" smtClean="0"/>
+              <a:rPr lang="es-ES_tradnl"/>
               <a:t>Haga clic para modificar el estilo de texto del patrón</a:t>
             </a:r>
           </a:p>
           <a:p>
             <a:pPr lvl="1"/>
             <a:r>
-              <a:rPr lang="es-ES_tradnl" smtClean="0"/>
+              <a:rPr lang="es-ES_tradnl"/>
               <a:t>Segundo nivel</a:t>
             </a:r>
           </a:p>
           <a:p>
             <a:pPr lvl="2"/>
             <a:r>
-              <a:rPr lang="es-ES_tradnl" smtClean="0"/>
+              <a:rPr lang="es-ES_tradnl"/>
               <a:t>Tercer nivel</a:t>
             </a:r>
           </a:p>
           <a:p>
             <a:pPr lvl="3"/>
             <a:r>
-              <a:rPr lang="es-ES_tradnl" smtClean="0"/>
+              <a:rPr lang="es-ES_tradnl"/>
               <a:t>Cuarto nivel</a:t>
             </a:r>
           </a:p>
           <a:p>
             <a:pPr lvl="4"/>
             <a:r>
-              <a:rPr lang="es-ES_tradnl" smtClean="0"/>
+              <a:rPr lang="es-ES_tradnl"/>
               <a:t>Quinto nivel</a:t>
             </a:r>
             <a:endParaRPr lang="es-ES"/>
@@ -2904,7 +2919,7 @@
             <a:fld id="{A5B4932B-C33C-584E-9877-A571BA3F4CA2}" type="datetimeFigureOut">
               <a:rPr lang="es-ES" smtClean="0"/>
               <a:pPr/>
-              <a:t>14/02/2019</a:t>
+              <a:t>17/02/2019</a:t>
             </a:fld>
             <a:endParaRPr lang="es-ES"/>
           </a:p>
@@ -2972,7 +2987,7 @@
     </p:spTree>
     <p:extLst>
       <p:ext uri="{BB962C8B-B14F-4D97-AF65-F5344CB8AC3E}">
-        <p14:creationId xmlns="" xmlns:p14="http://schemas.microsoft.com/office/powerpoint/2010/main" val="3384310579"/>
+        <p14:creationId xmlns:p14="http://schemas.microsoft.com/office/powerpoint/2010/main" val="3384310579"/>
       </p:ext>
     </p:extLst>
   </p:cSld>
@@ -3020,7 +3035,7 @@
           <a:lstStyle/>
           <a:p>
             <a:r>
-              <a:rPr lang="es-ES_tradnl" smtClean="0"/>
+              <a:rPr lang="es-ES_tradnl"/>
               <a:t>Clic para editar título</a:t>
             </a:r>
             <a:endParaRPr lang="es-ES"/>
@@ -3049,35 +3064,35 @@
           <a:p>
             <a:pPr lvl="0"/>
             <a:r>
-              <a:rPr lang="es-ES_tradnl" smtClean="0"/>
+              <a:rPr lang="es-ES_tradnl"/>
               <a:t>Haga clic para modificar el estilo de texto del patrón</a:t>
             </a:r>
           </a:p>
           <a:p>
             <a:pPr lvl="1"/>
             <a:r>
-              <a:rPr lang="es-ES_tradnl" smtClean="0"/>
+              <a:rPr lang="es-ES_tradnl"/>
               <a:t>Segundo nivel</a:t>
             </a:r>
           </a:p>
           <a:p>
             <a:pPr lvl="2"/>
             <a:r>
-              <a:rPr lang="es-ES_tradnl" smtClean="0"/>
+              <a:rPr lang="es-ES_tradnl"/>
               <a:t>Tercer nivel</a:t>
             </a:r>
           </a:p>
           <a:p>
             <a:pPr lvl="3"/>
             <a:r>
-              <a:rPr lang="es-ES_tradnl" smtClean="0"/>
+              <a:rPr lang="es-ES_tradnl"/>
               <a:t>Cuarto nivel</a:t>
             </a:r>
           </a:p>
           <a:p>
             <a:pPr lvl="4"/>
             <a:r>
-              <a:rPr lang="es-ES_tradnl" smtClean="0"/>
+              <a:rPr lang="es-ES_tradnl"/>
               <a:t>Quinto nivel</a:t>
             </a:r>
             <a:endParaRPr lang="es-ES"/>
@@ -3110,7 +3125,7 @@
             <a:fld id="{A5B4932B-C33C-584E-9877-A571BA3F4CA2}" type="datetimeFigureOut">
               <a:rPr lang="es-ES" smtClean="0"/>
               <a:pPr/>
-              <a:t>14/02/2019</a:t>
+              <a:t>17/02/2019</a:t>
             </a:fld>
             <a:endParaRPr lang="es-ES"/>
           </a:p>
@@ -3178,7 +3193,7 @@
     </p:spTree>
     <p:extLst>
       <p:ext uri="{BB962C8B-B14F-4D97-AF65-F5344CB8AC3E}">
-        <p14:creationId xmlns="" xmlns:p14="http://schemas.microsoft.com/office/powerpoint/2010/main" val="3147463048"/>
+        <p14:creationId xmlns:p14="http://schemas.microsoft.com/office/powerpoint/2010/main" val="3147463048"/>
       </p:ext>
     </p:extLst>
   </p:cSld>
@@ -3230,7 +3245,7 @@
           </a:lstStyle>
           <a:p>
             <a:r>
-              <a:rPr lang="es-ES_tradnl" dirty="0" smtClean="0"/>
+              <a:rPr lang="es-ES_tradnl" dirty="0"/>
               <a:t>Clic para editar título</a:t>
             </a:r>
             <a:endParaRPr lang="es-ES" dirty="0"/>
@@ -3269,35 +3284,35 @@
           <a:p>
             <a:pPr lvl="0"/>
             <a:r>
-              <a:rPr lang="es-ES_tradnl" dirty="0" smtClean="0"/>
+              <a:rPr lang="es-ES_tradnl" dirty="0"/>
               <a:t>Haga clic para modificar el estilo de texto del patrón</a:t>
             </a:r>
           </a:p>
           <a:p>
             <a:pPr lvl="1"/>
             <a:r>
-              <a:rPr lang="es-ES_tradnl" dirty="0" smtClean="0"/>
+              <a:rPr lang="es-ES_tradnl" dirty="0"/>
               <a:t>Segundo nivel</a:t>
             </a:r>
           </a:p>
           <a:p>
             <a:pPr lvl="2"/>
             <a:r>
-              <a:rPr lang="es-ES_tradnl" dirty="0" smtClean="0"/>
+              <a:rPr lang="es-ES_tradnl" dirty="0"/>
               <a:t>Tercer nivel</a:t>
             </a:r>
           </a:p>
           <a:p>
             <a:pPr lvl="3"/>
             <a:r>
-              <a:rPr lang="es-ES_tradnl" dirty="0" smtClean="0"/>
+              <a:rPr lang="es-ES_tradnl" dirty="0"/>
               <a:t>Cuarto nivel</a:t>
             </a:r>
           </a:p>
           <a:p>
             <a:pPr lvl="4"/>
             <a:r>
-              <a:rPr lang="es-ES_tradnl" dirty="0" smtClean="0"/>
+              <a:rPr lang="es-ES_tradnl" dirty="0"/>
               <a:t>Quinto nivel</a:t>
             </a:r>
             <a:endParaRPr lang="es-ES" dirty="0"/>
@@ -3330,7 +3345,7 @@
             <a:fld id="{A5B4932B-C33C-584E-9877-A571BA3F4CA2}" type="datetimeFigureOut">
               <a:rPr lang="es-ES" smtClean="0"/>
               <a:pPr/>
-              <a:t>14/02/2019</a:t>
+              <a:t>17/02/2019</a:t>
             </a:fld>
             <a:endParaRPr lang="es-ES"/>
           </a:p>
@@ -3398,7 +3413,7 @@
     </p:spTree>
     <p:extLst>
       <p:ext uri="{BB962C8B-B14F-4D97-AF65-F5344CB8AC3E}">
-        <p14:creationId xmlns="" xmlns:p14="http://schemas.microsoft.com/office/powerpoint/2010/main" val="2469512195"/>
+        <p14:creationId xmlns:p14="http://schemas.microsoft.com/office/powerpoint/2010/main" val="2469512195"/>
       </p:ext>
     </p:extLst>
   </p:cSld>
@@ -3450,7 +3465,7 @@
           </a:lstStyle>
           <a:p>
             <a:r>
-              <a:rPr lang="es-ES_tradnl" smtClean="0"/>
+              <a:rPr lang="es-ES_tradnl"/>
               <a:t>Clic para editar título</a:t>
             </a:r>
             <a:endParaRPr lang="es-ES"/>
@@ -3570,7 +3585,7 @@
           <a:p>
             <a:pPr lvl="0"/>
             <a:r>
-              <a:rPr lang="es-ES_tradnl" dirty="0" smtClean="0"/>
+              <a:rPr lang="es-ES_tradnl" dirty="0"/>
               <a:t>Haga clic para modificar el estilo de texto del patrón</a:t>
             </a:r>
           </a:p>
@@ -3602,7 +3617,7 @@
             <a:fld id="{A5B4932B-C33C-584E-9877-A571BA3F4CA2}" type="datetimeFigureOut">
               <a:rPr lang="es-ES" smtClean="0"/>
               <a:pPr/>
-              <a:t>14/02/2019</a:t>
+              <a:t>17/02/2019</a:t>
             </a:fld>
             <a:endParaRPr lang="es-ES"/>
           </a:p>
@@ -3670,7 +3685,7 @@
     </p:spTree>
     <p:extLst>
       <p:ext uri="{BB962C8B-B14F-4D97-AF65-F5344CB8AC3E}">
-        <p14:creationId xmlns="" xmlns:p14="http://schemas.microsoft.com/office/powerpoint/2010/main" val="2017072285"/>
+        <p14:creationId xmlns:p14="http://schemas.microsoft.com/office/powerpoint/2010/main" val="2017072285"/>
       </p:ext>
     </p:extLst>
   </p:cSld>
@@ -3713,7 +3728,7 @@
           <a:lstStyle/>
           <a:p>
             <a:r>
-              <a:rPr lang="es-ES_tradnl" dirty="0" smtClean="0"/>
+              <a:rPr lang="es-ES_tradnl" dirty="0"/>
               <a:t>Clic para editar título</a:t>
             </a:r>
             <a:endParaRPr lang="es-ES" dirty="0"/>
@@ -3770,35 +3785,35 @@
           <a:p>
             <a:pPr lvl="0"/>
             <a:r>
-              <a:rPr lang="es-ES_tradnl" smtClean="0"/>
+              <a:rPr lang="es-ES_tradnl"/>
               <a:t>Haga clic para modificar el estilo de texto del patrón</a:t>
             </a:r>
           </a:p>
           <a:p>
             <a:pPr lvl="1"/>
             <a:r>
-              <a:rPr lang="es-ES_tradnl" smtClean="0"/>
+              <a:rPr lang="es-ES_tradnl"/>
               <a:t>Segundo nivel</a:t>
             </a:r>
           </a:p>
           <a:p>
             <a:pPr lvl="2"/>
             <a:r>
-              <a:rPr lang="es-ES_tradnl" smtClean="0"/>
+              <a:rPr lang="es-ES_tradnl"/>
               <a:t>Tercer nivel</a:t>
             </a:r>
           </a:p>
           <a:p>
             <a:pPr lvl="3"/>
             <a:r>
-              <a:rPr lang="es-ES_tradnl" smtClean="0"/>
+              <a:rPr lang="es-ES_tradnl"/>
               <a:t>Cuarto nivel</a:t>
             </a:r>
           </a:p>
           <a:p>
             <a:pPr lvl="4"/>
             <a:r>
-              <a:rPr lang="es-ES_tradnl" smtClean="0"/>
+              <a:rPr lang="es-ES_tradnl"/>
               <a:t>Quinto nivel</a:t>
             </a:r>
             <a:endParaRPr lang="es-ES"/>
@@ -3855,35 +3870,35 @@
           <a:p>
             <a:pPr lvl="0"/>
             <a:r>
-              <a:rPr lang="es-ES_tradnl" smtClean="0"/>
+              <a:rPr lang="es-ES_tradnl"/>
               <a:t>Haga clic para modificar el estilo de texto del patrón</a:t>
             </a:r>
           </a:p>
           <a:p>
             <a:pPr lvl="1"/>
             <a:r>
-              <a:rPr lang="es-ES_tradnl" smtClean="0"/>
+              <a:rPr lang="es-ES_tradnl"/>
               <a:t>Segundo nivel</a:t>
             </a:r>
           </a:p>
           <a:p>
             <a:pPr lvl="2"/>
             <a:r>
-              <a:rPr lang="es-ES_tradnl" smtClean="0"/>
+              <a:rPr lang="es-ES_tradnl"/>
               <a:t>Tercer nivel</a:t>
             </a:r>
           </a:p>
           <a:p>
             <a:pPr lvl="3"/>
             <a:r>
-              <a:rPr lang="es-ES_tradnl" smtClean="0"/>
+              <a:rPr lang="es-ES_tradnl"/>
               <a:t>Cuarto nivel</a:t>
             </a:r>
           </a:p>
           <a:p>
             <a:pPr lvl="4"/>
             <a:r>
-              <a:rPr lang="es-ES_tradnl" smtClean="0"/>
+              <a:rPr lang="es-ES_tradnl"/>
               <a:t>Quinto nivel</a:t>
             </a:r>
             <a:endParaRPr lang="es-ES"/>
@@ -3916,7 +3931,7 @@
             <a:fld id="{A5B4932B-C33C-584E-9877-A571BA3F4CA2}" type="datetimeFigureOut">
               <a:rPr lang="es-ES" smtClean="0"/>
               <a:pPr/>
-              <a:t>14/02/2019</a:t>
+              <a:t>17/02/2019</a:t>
             </a:fld>
             <a:endParaRPr lang="es-ES"/>
           </a:p>
@@ -3984,7 +3999,7 @@
     </p:spTree>
     <p:extLst>
       <p:ext uri="{BB962C8B-B14F-4D97-AF65-F5344CB8AC3E}">
-        <p14:creationId xmlns="" xmlns:p14="http://schemas.microsoft.com/office/powerpoint/2010/main" val="1588470660"/>
+        <p14:creationId xmlns:p14="http://schemas.microsoft.com/office/powerpoint/2010/main" val="1588470660"/>
       </p:ext>
     </p:extLst>
   </p:cSld>
@@ -4031,7 +4046,7 @@
           </a:lstStyle>
           <a:p>
             <a:r>
-              <a:rPr lang="es-ES_tradnl" smtClean="0"/>
+              <a:rPr lang="es-ES_tradnl"/>
               <a:t>Clic para editar título</a:t>
             </a:r>
             <a:endParaRPr lang="es-ES"/>
@@ -4097,7 +4112,7 @@
           <a:p>
             <a:pPr lvl="0"/>
             <a:r>
-              <a:rPr lang="es-ES_tradnl" dirty="0" smtClean="0"/>
+              <a:rPr lang="es-ES_tradnl" dirty="0"/>
               <a:t>Haga clic para modificar el estilo de texto del patrón</a:t>
             </a:r>
           </a:p>
@@ -4153,35 +4168,35 @@
           <a:p>
             <a:pPr lvl="0"/>
             <a:r>
-              <a:rPr lang="es-ES_tradnl" smtClean="0"/>
+              <a:rPr lang="es-ES_tradnl"/>
               <a:t>Haga clic para modificar el estilo de texto del patrón</a:t>
             </a:r>
           </a:p>
           <a:p>
             <a:pPr lvl="1"/>
             <a:r>
-              <a:rPr lang="es-ES_tradnl" smtClean="0"/>
+              <a:rPr lang="es-ES_tradnl"/>
               <a:t>Segundo nivel</a:t>
             </a:r>
           </a:p>
           <a:p>
             <a:pPr lvl="2"/>
             <a:r>
-              <a:rPr lang="es-ES_tradnl" smtClean="0"/>
+              <a:rPr lang="es-ES_tradnl"/>
               <a:t>Tercer nivel</a:t>
             </a:r>
           </a:p>
           <a:p>
             <a:pPr lvl="3"/>
             <a:r>
-              <a:rPr lang="es-ES_tradnl" smtClean="0"/>
+              <a:rPr lang="es-ES_tradnl"/>
               <a:t>Cuarto nivel</a:t>
             </a:r>
           </a:p>
           <a:p>
             <a:pPr lvl="4"/>
             <a:r>
-              <a:rPr lang="es-ES_tradnl" smtClean="0"/>
+              <a:rPr lang="es-ES_tradnl"/>
               <a:t>Quinto nivel</a:t>
             </a:r>
             <a:endParaRPr lang="es-ES"/>
@@ -4247,7 +4262,7 @@
           <a:p>
             <a:pPr lvl="0"/>
             <a:r>
-              <a:rPr lang="es-ES_tradnl" smtClean="0"/>
+              <a:rPr lang="es-ES_tradnl"/>
               <a:t>Haga clic para modificar el estilo de texto del patrón</a:t>
             </a:r>
           </a:p>
@@ -4303,35 +4318,35 @@
           <a:p>
             <a:pPr lvl="0"/>
             <a:r>
-              <a:rPr lang="es-ES_tradnl" smtClean="0"/>
+              <a:rPr lang="es-ES_tradnl"/>
               <a:t>Haga clic para modificar el estilo de texto del patrón</a:t>
             </a:r>
           </a:p>
           <a:p>
             <a:pPr lvl="1"/>
             <a:r>
-              <a:rPr lang="es-ES_tradnl" smtClean="0"/>
+              <a:rPr lang="es-ES_tradnl"/>
               <a:t>Segundo nivel</a:t>
             </a:r>
           </a:p>
           <a:p>
             <a:pPr lvl="2"/>
             <a:r>
-              <a:rPr lang="es-ES_tradnl" smtClean="0"/>
+              <a:rPr lang="es-ES_tradnl"/>
               <a:t>Tercer nivel</a:t>
             </a:r>
           </a:p>
           <a:p>
             <a:pPr lvl="3"/>
             <a:r>
-              <a:rPr lang="es-ES_tradnl" smtClean="0"/>
+              <a:rPr lang="es-ES_tradnl"/>
               <a:t>Cuarto nivel</a:t>
             </a:r>
           </a:p>
           <a:p>
             <a:pPr lvl="4"/>
             <a:r>
-              <a:rPr lang="es-ES_tradnl" smtClean="0"/>
+              <a:rPr lang="es-ES_tradnl"/>
               <a:t>Quinto nivel</a:t>
             </a:r>
             <a:endParaRPr lang="es-ES"/>
@@ -4364,7 +4379,7 @@
             <a:fld id="{A5B4932B-C33C-584E-9877-A571BA3F4CA2}" type="datetimeFigureOut">
               <a:rPr lang="es-ES" smtClean="0"/>
               <a:pPr/>
-              <a:t>14/02/2019</a:t>
+              <a:t>17/02/2019</a:t>
             </a:fld>
             <a:endParaRPr lang="es-ES"/>
           </a:p>
@@ -4432,7 +4447,7 @@
     </p:spTree>
     <p:extLst>
       <p:ext uri="{BB962C8B-B14F-4D97-AF65-F5344CB8AC3E}">
-        <p14:creationId xmlns="" xmlns:p14="http://schemas.microsoft.com/office/powerpoint/2010/main" val="2346895141"/>
+        <p14:creationId xmlns:p14="http://schemas.microsoft.com/office/powerpoint/2010/main" val="2346895141"/>
       </p:ext>
     </p:extLst>
   </p:cSld>
@@ -4485,7 +4500,7 @@
             <a:fld id="{A5B4932B-C33C-584E-9877-A571BA3F4CA2}" type="datetimeFigureOut">
               <a:rPr lang="es-ES" smtClean="0"/>
               <a:pPr/>
-              <a:t>14/02/2019</a:t>
+              <a:t>17/02/2019</a:t>
             </a:fld>
             <a:endParaRPr lang="es-ES"/>
           </a:p>
@@ -4553,7 +4568,7 @@
     </p:spTree>
     <p:extLst>
       <p:ext uri="{BB962C8B-B14F-4D97-AF65-F5344CB8AC3E}">
-        <p14:creationId xmlns="" xmlns:p14="http://schemas.microsoft.com/office/powerpoint/2010/main" val="1650475801"/>
+        <p14:creationId xmlns:p14="http://schemas.microsoft.com/office/powerpoint/2010/main" val="1650475801"/>
       </p:ext>
     </p:extLst>
   </p:cSld>
@@ -4596,7 +4611,7 @@
           <a:lstStyle/>
           <a:p>
             <a:r>
-              <a:rPr lang="es-ES_tradnl" smtClean="0"/>
+              <a:rPr lang="es-ES_tradnl"/>
               <a:t>Clic para editar título</a:t>
             </a:r>
             <a:endParaRPr lang="es-ES"/>
@@ -4629,7 +4644,7 @@
             <a:fld id="{A5B4932B-C33C-584E-9877-A571BA3F4CA2}" type="datetimeFigureOut">
               <a:rPr lang="es-ES" smtClean="0"/>
               <a:pPr/>
-              <a:t>14/02/2019</a:t>
+              <a:t>17/02/2019</a:t>
             </a:fld>
             <a:endParaRPr lang="es-ES"/>
           </a:p>
@@ -4697,7 +4712,7 @@
     </p:spTree>
     <p:extLst>
       <p:ext uri="{BB962C8B-B14F-4D97-AF65-F5344CB8AC3E}">
-        <p14:creationId xmlns="" xmlns:p14="http://schemas.microsoft.com/office/powerpoint/2010/main" val="4167328288"/>
+        <p14:creationId xmlns:p14="http://schemas.microsoft.com/office/powerpoint/2010/main" val="4167328288"/>
       </p:ext>
     </p:extLst>
   </p:cSld>
@@ -4749,7 +4764,7 @@
           </a:lstStyle>
           <a:p>
             <a:r>
-              <a:rPr lang="es-ES_tradnl" smtClean="0"/>
+              <a:rPr lang="es-ES_tradnl"/>
               <a:t>Clic para editar título</a:t>
             </a:r>
             <a:endParaRPr lang="es-ES"/>
@@ -4806,35 +4821,35 @@
           <a:p>
             <a:pPr lvl="0"/>
             <a:r>
-              <a:rPr lang="es-ES_tradnl" smtClean="0"/>
+              <a:rPr lang="es-ES_tradnl"/>
               <a:t>Haga clic para modificar el estilo de texto del patrón</a:t>
             </a:r>
           </a:p>
           <a:p>
             <a:pPr lvl="1"/>
             <a:r>
-              <a:rPr lang="es-ES_tradnl" smtClean="0"/>
+              <a:rPr lang="es-ES_tradnl"/>
               <a:t>Segundo nivel</a:t>
             </a:r>
           </a:p>
           <a:p>
             <a:pPr lvl="2"/>
             <a:r>
-              <a:rPr lang="es-ES_tradnl" smtClean="0"/>
+              <a:rPr lang="es-ES_tradnl"/>
               <a:t>Tercer nivel</a:t>
             </a:r>
           </a:p>
           <a:p>
             <a:pPr lvl="3"/>
             <a:r>
-              <a:rPr lang="es-ES_tradnl" smtClean="0"/>
+              <a:rPr lang="es-ES_tradnl"/>
               <a:t>Cuarto nivel</a:t>
             </a:r>
           </a:p>
           <a:p>
             <a:pPr lvl="4"/>
             <a:r>
-              <a:rPr lang="es-ES_tradnl" smtClean="0"/>
+              <a:rPr lang="es-ES_tradnl"/>
               <a:t>Quinto nivel</a:t>
             </a:r>
             <a:endParaRPr lang="es-ES"/>
@@ -4900,7 +4915,7 @@
           <a:p>
             <a:pPr lvl="0"/>
             <a:r>
-              <a:rPr lang="es-ES_tradnl" smtClean="0"/>
+              <a:rPr lang="es-ES_tradnl"/>
               <a:t>Haga clic para modificar el estilo de texto del patrón</a:t>
             </a:r>
           </a:p>
@@ -4932,7 +4947,7 @@
             <a:fld id="{A5B4932B-C33C-584E-9877-A571BA3F4CA2}" type="datetimeFigureOut">
               <a:rPr lang="es-ES" smtClean="0"/>
               <a:pPr/>
-              <a:t>14/02/2019</a:t>
+              <a:t>17/02/2019</a:t>
             </a:fld>
             <a:endParaRPr lang="es-ES"/>
           </a:p>
@@ -5000,7 +5015,7 @@
     </p:spTree>
     <p:extLst>
       <p:ext uri="{BB962C8B-B14F-4D97-AF65-F5344CB8AC3E}">
-        <p14:creationId xmlns="" xmlns:p14="http://schemas.microsoft.com/office/powerpoint/2010/main" val="3653114530"/>
+        <p14:creationId xmlns:p14="http://schemas.microsoft.com/office/powerpoint/2010/main" val="3653114530"/>
       </p:ext>
     </p:extLst>
   </p:cSld>
@@ -5052,7 +5067,7 @@
           </a:lstStyle>
           <a:p>
             <a:r>
-              <a:rPr lang="es-ES_tradnl" smtClean="0"/>
+              <a:rPr lang="es-ES_tradnl"/>
               <a:t>Clic para editar título</a:t>
             </a:r>
             <a:endParaRPr lang="es-ES"/>
@@ -5179,7 +5194,7 @@
           <a:p>
             <a:pPr lvl="0"/>
             <a:r>
-              <a:rPr lang="es-ES_tradnl" smtClean="0"/>
+              <a:rPr lang="es-ES_tradnl"/>
               <a:t>Haga clic para modificar el estilo de texto del patrón</a:t>
             </a:r>
           </a:p>
@@ -5211,7 +5226,7 @@
             <a:fld id="{A5B4932B-C33C-584E-9877-A571BA3F4CA2}" type="datetimeFigureOut">
               <a:rPr lang="es-ES" smtClean="0"/>
               <a:pPr/>
-              <a:t>14/02/2019</a:t>
+              <a:t>17/02/2019</a:t>
             </a:fld>
             <a:endParaRPr lang="es-ES"/>
           </a:p>
@@ -5279,7 +5294,7 @@
     </p:spTree>
     <p:extLst>
       <p:ext uri="{BB962C8B-B14F-4D97-AF65-F5344CB8AC3E}">
-        <p14:creationId xmlns="" xmlns:p14="http://schemas.microsoft.com/office/powerpoint/2010/main" val="3804938358"/>
+        <p14:creationId xmlns:p14="http://schemas.microsoft.com/office/powerpoint/2010/main" val="3804938358"/>
       </p:ext>
     </p:extLst>
   </p:cSld>
@@ -5346,7 +5361,7 @@
           <a:lstStyle/>
           <a:p>
             <a:r>
-              <a:rPr lang="es-ES_tradnl" dirty="0" smtClean="0"/>
+              <a:rPr lang="es-ES_tradnl" dirty="0"/>
               <a:t>Clic para editar título</a:t>
             </a:r>
             <a:endParaRPr lang="es-ES" dirty="0"/>
@@ -5380,21 +5395,21 @@
           <a:p>
             <a:pPr lvl="0"/>
             <a:r>
-              <a:rPr lang="es-ES_tradnl" dirty="0" smtClean="0"/>
+              <a:rPr lang="es-ES_tradnl" dirty="0"/>
               <a:t>Haga clic para modificar el estilo de texto del patrón</a:t>
             </a:r>
           </a:p>
           <a:p>
             <a:pPr lvl="1"/>
             <a:r>
-              <a:rPr lang="es-ES_tradnl" dirty="0" smtClean="0"/>
+              <a:rPr lang="es-ES_tradnl" dirty="0"/>
               <a:t>Segundo nivel</a:t>
             </a:r>
           </a:p>
           <a:p>
             <a:pPr lvl="2"/>
             <a:r>
-              <a:rPr lang="es-ES_tradnl" dirty="0" smtClean="0"/>
+              <a:rPr lang="es-ES_tradnl" dirty="0"/>
               <a:t>Tercer nivel</a:t>
             </a:r>
             <a:endParaRPr lang="es-ES" dirty="0"/>
@@ -5404,7 +5419,7 @@
     </p:spTree>
     <p:extLst>
       <p:ext uri="{BB962C8B-B14F-4D97-AF65-F5344CB8AC3E}">
-        <p14:creationId xmlns="" xmlns:p14="http://schemas.microsoft.com/office/powerpoint/2010/main" val="3722614205"/>
+        <p14:creationId xmlns:p14="http://schemas.microsoft.com/office/powerpoint/2010/main" val="3722614205"/>
       </p:ext>
     </p:extLst>
   </p:cSld>
@@ -5742,7 +5757,7 @@
           <a:lstStyle/>
           <a:p>
             <a:r>
-              <a:rPr lang="es-PE" sz="2400" dirty="0" smtClean="0">
+              <a:rPr lang="es-PE" sz="2400" dirty="0">
                 <a:solidFill>
                   <a:schemeClr val="tx1">
                     <a:lumMod val="85000"/>
@@ -5787,7 +5802,7 @@
           <a:p>
             <a:pPr algn="l"/>
             <a:r>
-              <a:rPr lang="es-PE" sz="1800" dirty="0" smtClean="0">
+              <a:rPr lang="es-PE" sz="1800" dirty="0">
                 <a:solidFill>
                   <a:schemeClr val="tx1">
                     <a:lumMod val="75000"/>
@@ -5800,7 +5815,7 @@
           </a:p>
           <a:p>
             <a:pPr algn="l"/>
-            <a:endParaRPr lang="es-PE" sz="1800" dirty="0" smtClean="0">
+            <a:endParaRPr lang="es-PE" sz="1800" dirty="0">
               <a:solidFill>
                 <a:schemeClr val="tx1">
                   <a:lumMod val="75000"/>
@@ -5812,7 +5827,7 @@
           <a:p>
             <a:pPr algn="l"/>
             <a:r>
-              <a:rPr lang="es-PE" sz="1800" dirty="0" smtClean="0">
+              <a:rPr lang="es-PE" sz="1800" dirty="0">
                 <a:solidFill>
                   <a:schemeClr val="tx1">
                     <a:lumMod val="75000"/>
@@ -5825,7 +5840,7 @@
           </a:p>
           <a:p>
             <a:pPr algn="l"/>
-            <a:endParaRPr lang="es-PE" sz="1100" b="1" dirty="0" smtClean="0">
+            <a:endParaRPr lang="es-PE" sz="1100" b="1" dirty="0">
               <a:solidFill>
                 <a:schemeClr val="tx1">
                   <a:lumMod val="75000"/>
@@ -5839,20 +5854,13 @@
     </p:spTree>
     <p:extLst>
       <p:ext uri="{BB962C8B-B14F-4D97-AF65-F5344CB8AC3E}">
-        <p14:creationId xmlns="" xmlns:p14="http://schemas.microsoft.com/office/powerpoint/2010/main" val="2485903106"/>
+        <p14:creationId xmlns:p14="http://schemas.microsoft.com/office/powerpoint/2010/main" val="2485903106"/>
       </p:ext>
     </p:extLst>
   </p:cSld>
   <p:clrMapOvr>
     <a:masterClrMapping/>
   </p:clrMapOvr>
-  <p:timing>
-    <p:tnLst>
-      <p:par>
-        <p:cTn id="1" dur="indefinite" restart="never" nodeType="tmRoot"/>
-      </p:par>
-    </p:tnLst>
-  </p:timing>
 </p:sld>
 </file>
 
@@ -5890,10 +5898,10 @@
           <a:p>
             <a:pPr lvl="0"/>
             <a:r>
-              <a:rPr lang="es-PE" dirty="0" smtClean="0"/>
+              <a:rPr lang="es-PE" dirty="0"/>
               <a:t>Fácil de Modificar - ejemplo:</a:t>
             </a:r>
-            <a:endParaRPr lang="es-ES" dirty="0" smtClean="0"/>
+            <a:endParaRPr lang="es-ES" dirty="0"/>
           </a:p>
         </p:txBody>
       </p:sp>
@@ -5920,17 +5928,17 @@
           <a:lstStyle/>
           <a:p>
             <a:pPr lvl="1"/>
-            <a:endParaRPr lang="es-PE" dirty="0" smtClean="0"/>
-          </a:p>
-          <a:p>
-            <a:pPr lvl="1"/>
-            <a:endParaRPr lang="es-ES" dirty="0" smtClean="0"/>
+            <a:endParaRPr lang="es-PE" dirty="0"/>
+          </a:p>
+          <a:p>
+            <a:pPr lvl="1"/>
+            <a:endParaRPr lang="es-ES" dirty="0"/>
           </a:p>
           <a:p>
             <a:pPr>
               <a:buNone/>
             </a:pPr>
-            <a:endParaRPr lang="es-ES" dirty="0" smtClean="0"/>
+            <a:endParaRPr lang="es-ES" dirty="0"/>
           </a:p>
         </p:txBody>
       </p:sp>
@@ -6129,20 +6137,13 @@
     </p:spTree>
     <p:extLst>
       <p:ext uri="{BB962C8B-B14F-4D97-AF65-F5344CB8AC3E}">
-        <p14:creationId xmlns="" xmlns:p14="http://schemas.microsoft.com/office/powerpoint/2010/main" val="2332945952"/>
+        <p14:creationId xmlns:p14="http://schemas.microsoft.com/office/powerpoint/2010/main" val="2332945952"/>
       </p:ext>
     </p:extLst>
   </p:cSld>
   <p:clrMapOvr>
     <a:masterClrMapping/>
   </p:clrMapOvr>
-  <p:timing>
-    <p:tnLst>
-      <p:par>
-        <p:cTn id="1" dur="indefinite" restart="never" nodeType="tmRoot"/>
-      </p:par>
-    </p:tnLst>
-  </p:timing>
 </p:sld>
 </file>
 
@@ -6182,7 +6183,7 @@
           <a:p>
             <a:pPr lvl="1"/>
             <a:r>
-              <a:rPr lang="es-PE" sz="2000" b="1" kern="1200" dirty="0" smtClean="0">
+              <a:rPr lang="es-PE" sz="2000" b="1" kern="1200" dirty="0">
                 <a:solidFill>
                   <a:schemeClr val="bg1"/>
                 </a:solidFill>
@@ -6192,14 +6193,6 @@
               </a:rPr>
               <a:t>Requisitos del MPN</a:t>
             </a:r>
-            <a:endParaRPr lang="es-PE" sz="2000" b="1" kern="1200" dirty="0">
-              <a:solidFill>
-                <a:schemeClr val="bg1"/>
-              </a:solidFill>
-              <a:latin typeface="Arial"/>
-              <a:ea typeface="+mj-ea"/>
-              <a:cs typeface="Arial"/>
-            </a:endParaRPr>
           </a:p>
         </p:txBody>
       </p:sp>
@@ -6222,100 +6215,100 @@
           <a:p>
             <a:pPr lvl="0"/>
             <a:r>
-              <a:rPr lang="es-PE" dirty="0" smtClean="0"/>
+              <a:rPr lang="es-PE" dirty="0"/>
               <a:t>Historia de Usuario</a:t>
             </a:r>
-            <a:endParaRPr lang="es-ES" dirty="0" smtClean="0"/>
-          </a:p>
-          <a:p>
-            <a:pPr lvl="1"/>
-            <a:r>
-              <a:rPr lang="es-PE" dirty="0" smtClean="0"/>
+            <a:endParaRPr lang="es-ES" dirty="0"/>
+          </a:p>
+          <a:p>
+            <a:pPr lvl="1"/>
+            <a:r>
+              <a:rPr lang="es-PE" dirty="0"/>
               <a:t>Modelo Propuesto, Diagrama de Actividades, Ficha de Determinación</a:t>
             </a:r>
           </a:p>
           <a:p>
             <a:pPr lvl="1"/>
-            <a:endParaRPr lang="es-ES" dirty="0" smtClean="0"/>
+            <a:endParaRPr lang="es-ES" dirty="0"/>
           </a:p>
           <a:p>
             <a:pPr lvl="0"/>
             <a:r>
-              <a:rPr lang="es-PE" dirty="0" smtClean="0"/>
+              <a:rPr lang="es-PE" dirty="0"/>
               <a:t>Desarrollo Detallado  </a:t>
             </a:r>
             <a:r>
-              <a:rPr lang="es-PE" b="1" dirty="0" smtClean="0"/>
+              <a:rPr lang="es-PE" b="1" dirty="0"/>
               <a:t>( a Implementar)</a:t>
             </a:r>
-            <a:endParaRPr lang="es-ES" dirty="0" smtClean="0"/>
-          </a:p>
-          <a:p>
-            <a:pPr lvl="1"/>
-            <a:r>
-              <a:rPr lang="es-PE" dirty="0" smtClean="0"/>
+            <a:endParaRPr lang="es-ES" dirty="0"/>
+          </a:p>
+          <a:p>
+            <a:pPr lvl="1"/>
+            <a:r>
+              <a:rPr lang="es-PE" dirty="0"/>
               <a:t>Flujo de Actividad</a:t>
             </a:r>
-            <a:endParaRPr lang="es-ES" dirty="0" smtClean="0"/>
-          </a:p>
-          <a:p>
-            <a:pPr lvl="1"/>
-            <a:r>
-              <a:rPr lang="es-PE" dirty="0" smtClean="0"/>
+            <a:endParaRPr lang="es-ES" dirty="0"/>
+          </a:p>
+          <a:p>
+            <a:pPr lvl="1"/>
+            <a:r>
+              <a:rPr lang="es-PE" dirty="0"/>
               <a:t>Regla de Negocio</a:t>
             </a:r>
-            <a:endParaRPr lang="es-ES" dirty="0" smtClean="0"/>
-          </a:p>
-          <a:p>
-            <a:pPr lvl="1"/>
-            <a:r>
-              <a:rPr lang="es-PE" dirty="0" smtClean="0"/>
+            <a:endParaRPr lang="es-ES" dirty="0"/>
+          </a:p>
+          <a:p>
+            <a:pPr lvl="1"/>
+            <a:r>
+              <a:rPr lang="es-PE" dirty="0"/>
               <a:t>Formato Detallado</a:t>
             </a:r>
-            <a:endParaRPr lang="es-ES" dirty="0" smtClean="0"/>
-          </a:p>
-          <a:p>
-            <a:pPr lvl="1"/>
-            <a:r>
-              <a:rPr lang="es-PE" dirty="0" smtClean="0"/>
+            <a:endParaRPr lang="es-ES" dirty="0"/>
+          </a:p>
+          <a:p>
+            <a:pPr lvl="1"/>
+            <a:r>
+              <a:rPr lang="es-PE" dirty="0"/>
               <a:t>Características</a:t>
             </a:r>
             <a:r>
-              <a:rPr lang="es-PE" b="1" dirty="0" smtClean="0"/>
+              <a:rPr lang="es-PE" b="1" dirty="0"/>
               <a:t> </a:t>
             </a:r>
             <a:r>
-              <a:rPr lang="es-PE" dirty="0" smtClean="0"/>
+              <a:rPr lang="es-PE" dirty="0"/>
               <a:t>del Proceso </a:t>
             </a:r>
           </a:p>
           <a:p>
             <a:pPr lvl="1"/>
-            <a:endParaRPr lang="es-ES" dirty="0" smtClean="0"/>
+            <a:endParaRPr lang="es-ES" dirty="0"/>
           </a:p>
           <a:p>
             <a:pPr lvl="0"/>
             <a:r>
-              <a:rPr lang="es-PE" dirty="0" smtClean="0"/>
+              <a:rPr lang="es-PE" dirty="0"/>
               <a:t>Requerimientos Informáticos (RIN)</a:t>
             </a:r>
-            <a:endParaRPr lang="es-ES" dirty="0" smtClean="0"/>
-          </a:p>
-          <a:p>
-            <a:pPr lvl="1"/>
-            <a:endParaRPr lang="es-PE" dirty="0" smtClean="0"/>
-          </a:p>
-          <a:p>
-            <a:pPr lvl="1"/>
-            <a:endParaRPr lang="es-PE" dirty="0" smtClean="0"/>
+            <a:endParaRPr lang="es-ES" dirty="0"/>
+          </a:p>
+          <a:p>
+            <a:pPr lvl="1"/>
+            <a:endParaRPr lang="es-PE" dirty="0"/>
+          </a:p>
+          <a:p>
+            <a:pPr lvl="1"/>
+            <a:endParaRPr lang="es-PE" dirty="0"/>
           </a:p>
           <a:p>
             <a:pPr lvl="2"/>
-            <a:endParaRPr lang="es-PE" dirty="0" smtClean="0"/>
-          </a:p>
-          <a:p>
-            <a:pPr lvl="1"/>
-            <a:endParaRPr lang="es-PE" dirty="0" smtClean="0"/>
+            <a:endParaRPr lang="es-PE" dirty="0"/>
+          </a:p>
+          <a:p>
+            <a:pPr lvl="1"/>
+            <a:endParaRPr lang="es-PE" dirty="0"/>
           </a:p>
           <a:p>
             <a:endParaRPr lang="es-PE" dirty="0"/>
@@ -6325,20 +6318,13 @@
     </p:spTree>
     <p:extLst>
       <p:ext uri="{BB962C8B-B14F-4D97-AF65-F5344CB8AC3E}">
-        <p14:creationId xmlns="" xmlns:p14="http://schemas.microsoft.com/office/powerpoint/2010/main" val="2332945952"/>
+        <p14:creationId xmlns:p14="http://schemas.microsoft.com/office/powerpoint/2010/main" val="2332945952"/>
       </p:ext>
     </p:extLst>
   </p:cSld>
   <p:clrMapOvr>
     <a:masterClrMapping/>
   </p:clrMapOvr>
-  <p:timing>
-    <p:tnLst>
-      <p:par>
-        <p:cTn id="1" dur="indefinite" restart="never" nodeType="tmRoot"/>
-      </p:par>
-    </p:tnLst>
-  </p:timing>
 </p:sld>
 </file>
 
@@ -6375,10 +6361,10 @@
           <a:lstStyle/>
           <a:p>
             <a:r>
-              <a:rPr lang="es-ES" dirty="0" smtClean="0"/>
+              <a:rPr lang="es-ES" dirty="0"/>
               <a:t>MPN -  Desarrollo Detallado </a:t>
             </a:r>
-            <a:endParaRPr lang="es-PE" dirty="0" smtClean="0"/>
+            <a:endParaRPr lang="es-PE" dirty="0"/>
           </a:p>
         </p:txBody>
       </p:sp>
@@ -6400,90 +6386,90 @@
           <a:lstStyle/>
           <a:p>
             <a:r>
-              <a:rPr lang="es-ES" dirty="0" smtClean="0"/>
+              <a:rPr lang="es-ES" dirty="0"/>
               <a:t>Objetivo.- Conocer la Actividad para medirlo</a:t>
             </a:r>
           </a:p>
           <a:p>
             <a:r>
-              <a:rPr lang="es-ES" dirty="0" smtClean="0"/>
+              <a:rPr lang="es-ES" dirty="0"/>
               <a:t>Especificación de la actividad </a:t>
             </a:r>
           </a:p>
           <a:p>
             <a:pPr lvl="1"/>
             <a:r>
-              <a:rPr lang="es-ES" dirty="0" smtClean="0"/>
+              <a:rPr lang="es-ES" dirty="0"/>
               <a:t>Única</a:t>
             </a:r>
           </a:p>
           <a:p>
             <a:pPr lvl="1"/>
             <a:r>
-              <a:rPr lang="es-ES" dirty="0" smtClean="0"/>
+              <a:rPr lang="es-ES" dirty="0"/>
               <a:t>Correcta</a:t>
             </a:r>
           </a:p>
           <a:p>
             <a:pPr lvl="1"/>
             <a:r>
-              <a:rPr lang="es-ES" dirty="0" smtClean="0"/>
+              <a:rPr lang="es-ES" dirty="0"/>
               <a:t>Completa</a:t>
             </a:r>
           </a:p>
           <a:p>
             <a:pPr lvl="1"/>
             <a:r>
-              <a:rPr lang="es-ES" dirty="0" smtClean="0"/>
+              <a:rPr lang="es-ES" dirty="0"/>
               <a:t>Consistente</a:t>
             </a:r>
           </a:p>
           <a:p>
             <a:pPr lvl="1"/>
             <a:r>
-              <a:rPr lang="es-ES" dirty="0" smtClean="0"/>
+              <a:rPr lang="es-ES" dirty="0"/>
               <a:t>Sin ambigüedad</a:t>
             </a:r>
           </a:p>
           <a:p>
             <a:pPr lvl="1"/>
             <a:r>
-              <a:rPr lang="es-PE" dirty="0" smtClean="0"/>
+              <a:rPr lang="es-PE" dirty="0"/>
               <a:t>Probado</a:t>
             </a:r>
-            <a:endParaRPr lang="es-ES" dirty="0" smtClean="0"/>
-          </a:p>
-          <a:p>
-            <a:pPr lvl="1"/>
-            <a:endParaRPr lang="es-ES" dirty="0" smtClean="0"/>
-          </a:p>
-          <a:p>
-            <a:r>
-              <a:rPr lang="es-PE" dirty="0" smtClean="0"/>
+            <a:endParaRPr lang="es-ES" dirty="0"/>
+          </a:p>
+          <a:p>
+            <a:pPr lvl="1"/>
+            <a:endParaRPr lang="es-ES" dirty="0"/>
+          </a:p>
+          <a:p>
+            <a:r>
+              <a:rPr lang="es-PE" dirty="0"/>
               <a:t>El especialista realiza el análisis detallado del proceso.</a:t>
             </a:r>
           </a:p>
           <a:p>
-            <a:endParaRPr lang="es-ES" dirty="0" smtClean="0"/>
-          </a:p>
-          <a:p>
-            <a:endParaRPr lang="es-ES" dirty="0" smtClean="0"/>
-          </a:p>
-          <a:p>
-            <a:pPr lvl="1"/>
-            <a:endParaRPr lang="es-PE" dirty="0" smtClean="0"/>
-          </a:p>
-          <a:p>
-            <a:pPr lvl="1"/>
-            <a:endParaRPr lang="es-PE" dirty="0" smtClean="0"/>
+            <a:endParaRPr lang="es-ES" dirty="0"/>
+          </a:p>
+          <a:p>
+            <a:endParaRPr lang="es-ES" dirty="0"/>
+          </a:p>
+          <a:p>
+            <a:pPr lvl="1"/>
+            <a:endParaRPr lang="es-PE" dirty="0"/>
+          </a:p>
+          <a:p>
+            <a:pPr lvl="1"/>
+            <a:endParaRPr lang="es-PE" dirty="0"/>
           </a:p>
           <a:p>
             <a:pPr lvl="2"/>
-            <a:endParaRPr lang="es-PE" dirty="0" smtClean="0"/>
-          </a:p>
-          <a:p>
-            <a:pPr lvl="1"/>
-            <a:endParaRPr lang="es-PE" dirty="0" smtClean="0"/>
+            <a:endParaRPr lang="es-PE" dirty="0"/>
+          </a:p>
+          <a:p>
+            <a:pPr lvl="1"/>
+            <a:endParaRPr lang="es-PE" dirty="0"/>
           </a:p>
           <a:p>
             <a:endParaRPr lang="es-PE" dirty="0"/>
@@ -6493,20 +6479,13 @@
     </p:spTree>
     <p:extLst>
       <p:ext uri="{BB962C8B-B14F-4D97-AF65-F5344CB8AC3E}">
-        <p14:creationId xmlns="" xmlns:p14="http://schemas.microsoft.com/office/powerpoint/2010/main" val="2332945952"/>
+        <p14:creationId xmlns:p14="http://schemas.microsoft.com/office/powerpoint/2010/main" val="2332945952"/>
       </p:ext>
     </p:extLst>
   </p:cSld>
   <p:clrMapOvr>
     <a:masterClrMapping/>
   </p:clrMapOvr>
-  <p:timing>
-    <p:tnLst>
-      <p:par>
-        <p:cTn id="1" dur="indefinite" restart="never" nodeType="tmRoot"/>
-      </p:par>
-    </p:tnLst>
-  </p:timing>
 </p:sld>
 </file>
 
@@ -6543,10 +6522,9 @@
           <a:lstStyle/>
           <a:p>
             <a:r>
-              <a:rPr lang="es-ES" dirty="0" smtClean="0"/>
+              <a:rPr lang="es-ES" dirty="0"/>
               <a:t>MPN - Flujo de la actividad</a:t>
             </a:r>
-            <a:endParaRPr lang="es-ES" dirty="0"/>
           </a:p>
         </p:txBody>
       </p:sp>
@@ -6566,68 +6544,68 @@
           <a:lstStyle/>
           <a:p>
             <a:r>
-              <a:rPr lang="es-PE" dirty="0" smtClean="0"/>
+              <a:rPr lang="es-PE" dirty="0"/>
               <a:t>Objetivo.- Conocer el número y la secuencia de pasos de la actividad en orden lógico. </a:t>
             </a:r>
           </a:p>
           <a:p>
             <a:r>
-              <a:rPr lang="es-PE" dirty="0" smtClean="0"/>
+              <a:rPr lang="es-PE" dirty="0"/>
               <a:t>Secuencia de Pasos:</a:t>
             </a:r>
           </a:p>
           <a:p>
             <a:pPr lvl="1"/>
             <a:r>
-              <a:rPr lang="es-PE" dirty="0" smtClean="0"/>
+              <a:rPr lang="es-PE" dirty="0"/>
               <a:t>Inicio en el Paso 1</a:t>
             </a:r>
           </a:p>
           <a:p>
             <a:pPr lvl="1"/>
             <a:r>
-              <a:rPr lang="es-PE" dirty="0" smtClean="0"/>
+              <a:rPr lang="es-PE" dirty="0"/>
               <a:t>El paso sólo describe su acción</a:t>
             </a:r>
           </a:p>
           <a:p>
             <a:pPr lvl="1"/>
             <a:r>
-              <a:rPr lang="es-PE" dirty="0" smtClean="0"/>
+              <a:rPr lang="es-PE" dirty="0"/>
               <a:t>El Paso siguiente es consecuencia de la acción del Paso actual</a:t>
             </a:r>
           </a:p>
           <a:p>
             <a:pPr lvl="1"/>
             <a:r>
-              <a:rPr lang="es-PE" dirty="0" smtClean="0"/>
+              <a:rPr lang="es-PE" dirty="0"/>
               <a:t>Fin en el último Paso de la secuencia</a:t>
             </a:r>
           </a:p>
           <a:p>
-            <a:endParaRPr lang="es-PE" dirty="0" smtClean="0"/>
-          </a:p>
-          <a:p>
-            <a:r>
-              <a:rPr lang="es-PE" dirty="0" smtClean="0"/>
+            <a:endParaRPr lang="es-PE" dirty="0"/>
+          </a:p>
+          <a:p>
+            <a:r>
+              <a:rPr lang="es-PE" dirty="0"/>
               <a:t>El especialista prueba que se cumpla.</a:t>
             </a:r>
           </a:p>
           <a:p>
             <a:pPr lvl="1"/>
-            <a:endParaRPr lang="es-PE" dirty="0" smtClean="0"/>
-          </a:p>
-          <a:p>
-            <a:pPr lvl="1"/>
-            <a:endParaRPr lang="es-PE" dirty="0" smtClean="0"/>
+            <a:endParaRPr lang="es-PE" dirty="0"/>
+          </a:p>
+          <a:p>
+            <a:pPr lvl="1"/>
+            <a:endParaRPr lang="es-PE" dirty="0"/>
           </a:p>
           <a:p>
             <a:pPr lvl="2"/>
-            <a:endParaRPr lang="es-PE" dirty="0" smtClean="0"/>
-          </a:p>
-          <a:p>
-            <a:pPr lvl="1"/>
-            <a:endParaRPr lang="es-PE" dirty="0" smtClean="0"/>
+            <a:endParaRPr lang="es-PE" dirty="0"/>
+          </a:p>
+          <a:p>
+            <a:pPr lvl="1"/>
+            <a:endParaRPr lang="es-PE" dirty="0"/>
           </a:p>
           <a:p>
             <a:endParaRPr lang="es-PE" dirty="0"/>
@@ -6637,20 +6615,13 @@
     </p:spTree>
     <p:extLst>
       <p:ext uri="{BB962C8B-B14F-4D97-AF65-F5344CB8AC3E}">
-        <p14:creationId xmlns="" xmlns:p14="http://schemas.microsoft.com/office/powerpoint/2010/main" val="2332945952"/>
+        <p14:creationId xmlns:p14="http://schemas.microsoft.com/office/powerpoint/2010/main" val="2332945952"/>
       </p:ext>
     </p:extLst>
   </p:cSld>
   <p:clrMapOvr>
     <a:masterClrMapping/>
   </p:clrMapOvr>
-  <p:timing>
-    <p:tnLst>
-      <p:par>
-        <p:cTn id="1" dur="indefinite" restart="never" nodeType="tmRoot"/>
-      </p:par>
-    </p:tnLst>
-  </p:timing>
 </p:sld>
 </file>
 
@@ -6687,10 +6658,9 @@
           <a:lstStyle/>
           <a:p>
             <a:r>
-              <a:rPr lang="es-ES" dirty="0" smtClean="0"/>
+              <a:rPr lang="es-ES" dirty="0"/>
               <a:t>MPN - Flujo de la actividad - ejemplo</a:t>
             </a:r>
-            <a:endParaRPr lang="es-ES" dirty="0"/>
           </a:p>
         </p:txBody>
       </p:sp>
@@ -6710,19 +6680,19 @@
           <a:lstStyle/>
           <a:p>
             <a:pPr lvl="1"/>
-            <a:endParaRPr lang="es-PE" dirty="0" smtClean="0"/>
-          </a:p>
-          <a:p>
-            <a:pPr lvl="1"/>
-            <a:endParaRPr lang="es-PE" dirty="0" smtClean="0"/>
+            <a:endParaRPr lang="es-PE" dirty="0"/>
+          </a:p>
+          <a:p>
+            <a:pPr lvl="1"/>
+            <a:endParaRPr lang="es-PE" dirty="0"/>
           </a:p>
           <a:p>
             <a:pPr lvl="2"/>
-            <a:endParaRPr lang="es-PE" dirty="0" smtClean="0"/>
-          </a:p>
-          <a:p>
-            <a:pPr lvl="1"/>
-            <a:endParaRPr lang="es-PE" dirty="0" smtClean="0"/>
+            <a:endParaRPr lang="es-PE" dirty="0"/>
+          </a:p>
+          <a:p>
+            <a:pPr lvl="1"/>
+            <a:endParaRPr lang="es-PE" dirty="0"/>
           </a:p>
           <a:p>
             <a:endParaRPr lang="es-PE" dirty="0"/>
@@ -6755,7 +6725,7 @@
               <a:buAutoNum type="arabicPeriod"/>
             </a:pPr>
             <a:r>
-              <a:rPr lang="es-ES" dirty="0" smtClean="0"/>
+              <a:rPr lang="es-ES" dirty="0"/>
               <a:t>El ahorrista se presenta al cajero automático</a:t>
             </a:r>
           </a:p>
@@ -6765,7 +6735,7 @@
               <a:buAutoNum type="arabicPeriod"/>
             </a:pPr>
             <a:r>
-              <a:rPr lang="es-ES" dirty="0" smtClean="0"/>
+              <a:rPr lang="es-ES" dirty="0"/>
               <a:t>El cajero solicita "ingrese número de cuenta y clave de usuario"</a:t>
             </a:r>
           </a:p>
@@ -6775,7 +6745,7 @@
               <a:buAutoNum type="arabicPeriod"/>
             </a:pPr>
             <a:r>
-              <a:rPr lang="es-ES" dirty="0" smtClean="0"/>
+              <a:rPr lang="es-ES" dirty="0"/>
               <a:t>El ahorrista ingresa un número de cuenta y la clave de usuario</a:t>
             </a:r>
           </a:p>
@@ -6785,7 +6755,7 @@
               <a:buAutoNum type="arabicPeriod"/>
             </a:pPr>
             <a:r>
-              <a:rPr lang="es-ES" dirty="0" smtClean="0"/>
+              <a:rPr lang="es-ES" dirty="0"/>
               <a:t>El cajero muestra las opciones y solicita "seleccione atención a realizar"</a:t>
             </a:r>
           </a:p>
@@ -6795,7 +6765,7 @@
               <a:buAutoNum type="arabicPeriod"/>
             </a:pPr>
             <a:r>
-              <a:rPr lang="es-ES" dirty="0" smtClean="0"/>
+              <a:rPr lang="es-ES" dirty="0"/>
               <a:t>El ahorrista selecciona la opción "retiro de cuenta" </a:t>
             </a:r>
           </a:p>
@@ -6805,7 +6775,7 @@
               <a:buAutoNum type="arabicPeriod"/>
             </a:pPr>
             <a:r>
-              <a:rPr lang="es-ES" dirty="0" smtClean="0"/>
+              <a:rPr lang="es-ES" dirty="0"/>
               <a:t>El cajero solicita "ingrese cantidad a retirar"</a:t>
             </a:r>
           </a:p>
@@ -6815,7 +6785,7 @@
               <a:buAutoNum type="arabicPeriod"/>
             </a:pPr>
             <a:r>
-              <a:rPr lang="es-ES" dirty="0" smtClean="0"/>
+              <a:rPr lang="es-ES" dirty="0"/>
               <a:t>El ahorrista ingresa la cantidad a retirar </a:t>
             </a:r>
           </a:p>
@@ -6825,7 +6795,7 @@
               <a:buAutoNum type="arabicPeriod"/>
             </a:pPr>
             <a:r>
-              <a:rPr lang="es-ES" dirty="0" smtClean="0"/>
+              <a:rPr lang="es-ES" dirty="0"/>
               <a:t>El cajero entrega el dinero y la boleta,</a:t>
             </a:r>
           </a:p>
@@ -6835,10 +6805,9 @@
               <a:buAutoNum type="arabicPeriod"/>
             </a:pPr>
             <a:r>
-              <a:rPr lang="es-ES" dirty="0" smtClean="0"/>
+              <a:rPr lang="es-ES" dirty="0"/>
               <a:t>El cajero responde "retire su dinero y boleta, hasta luego"</a:t>
             </a:r>
-            <a:endParaRPr lang="es-ES" dirty="0"/>
           </a:p>
         </p:txBody>
       </p:sp>
@@ -6885,7 +6854,7 @@
               <a:defRPr/>
             </a:pPr>
             <a:r>
-              <a:rPr kumimoji="0" lang="es-PE" sz="1600" b="0" i="0" u="none" strike="noStrike" kern="1200" cap="none" spc="0" normalizeH="0" baseline="0" noProof="0" dirty="0" smtClean="0">
+              <a:rPr kumimoji="0" lang="es-PE" sz="1600" b="0" i="0" u="none" strike="noStrike" kern="1200" cap="none" spc="0" normalizeH="0" baseline="0" noProof="0" dirty="0">
                 <a:ln>
                   <a:noFill/>
                 </a:ln>
@@ -6902,7 +6871,7 @@
               <a:t>Obtener el Caso de éxito principal de</a:t>
             </a:r>
             <a:r>
-              <a:rPr kumimoji="0" lang="es-PE" sz="1600" b="0" i="0" u="none" strike="noStrike" kern="1200" cap="none" spc="0" normalizeH="0" noProof="0" dirty="0" smtClean="0">
+              <a:rPr kumimoji="0" lang="es-PE" sz="1600" b="0" i="0" u="none" strike="noStrike" kern="1200" cap="none" spc="0" normalizeH="0" noProof="0" dirty="0">
                 <a:ln>
                   <a:noFill/>
                 </a:ln>
@@ -6940,7 +6909,7 @@
               <a:defRPr/>
             </a:pPr>
             <a:r>
-              <a:rPr kumimoji="0" lang="es-PE" sz="1600" b="0" i="0" u="none" strike="noStrike" kern="1200" cap="none" spc="0" normalizeH="0" baseline="0" noProof="0" dirty="0" smtClean="0">
+              <a:rPr kumimoji="0" lang="es-PE" sz="1600" b="0" i="0" u="none" strike="noStrike" kern="1200" cap="none" spc="0" normalizeH="0" baseline="0" noProof="0" dirty="0">
                 <a:ln>
                   <a:noFill/>
                 </a:ln>
@@ -6978,13 +6947,13 @@
               <a:defRPr/>
             </a:pPr>
             <a:r>
-              <a:rPr lang="es-PE" sz="1600" dirty="0" smtClean="0">
+              <a:rPr lang="es-PE" sz="1600" dirty="0">
                 <a:latin typeface="Arial"/>
                 <a:cs typeface="Arial"/>
               </a:rPr>
               <a:t>Caso Principal opción “Retiro de dinero de Cajero Automático”.</a:t>
             </a:r>
-            <a:endParaRPr kumimoji="0" lang="es-PE" sz="1600" b="0" i="0" u="none" strike="noStrike" kern="1200" cap="none" spc="0" normalizeH="0" baseline="0" noProof="0" dirty="0" smtClean="0">
+            <a:endParaRPr kumimoji="0" lang="es-PE" sz="1600" b="0" i="0" u="none" strike="noStrike" kern="1200" cap="none" spc="0" normalizeH="0" baseline="0" noProof="0" dirty="0">
               <a:ln>
                 <a:noFill/>
               </a:ln>
@@ -7019,7 +6988,7 @@
               <a:tabLst/>
               <a:defRPr/>
             </a:pPr>
-            <a:endParaRPr kumimoji="0" lang="es-PE" sz="1600" b="0" i="0" u="none" strike="noStrike" kern="1200" cap="none" spc="0" normalizeH="0" baseline="0" noProof="0" dirty="0" smtClean="0">
+            <a:endParaRPr kumimoji="0" lang="es-PE" sz="1600" b="0" i="0" u="none" strike="noStrike" kern="1200" cap="none" spc="0" normalizeH="0" baseline="0" noProof="0" dirty="0">
               <a:ln>
                 <a:noFill/>
               </a:ln>
@@ -7054,7 +7023,7 @@
               <a:tabLst/>
               <a:defRPr/>
             </a:pPr>
-            <a:endParaRPr kumimoji="0" lang="es-ES" sz="1600" b="0" i="0" u="none" strike="noStrike" kern="1200" cap="none" spc="0" normalizeH="0" baseline="0" noProof="0" dirty="0" smtClean="0">
+            <a:endParaRPr kumimoji="0" lang="es-ES" sz="1600" b="0" i="0" u="none" strike="noStrike" kern="1200" cap="none" spc="0" normalizeH="0" baseline="0" noProof="0" dirty="0">
               <a:ln>
                 <a:noFill/>
               </a:ln>
@@ -7089,7 +7058,7 @@
               <a:tabLst/>
               <a:defRPr/>
             </a:pPr>
-            <a:endParaRPr kumimoji="0" lang="es-ES" sz="1600" b="0" i="0" u="none" strike="noStrike" kern="1200" cap="none" spc="0" normalizeH="0" baseline="0" noProof="0" dirty="0" smtClean="0">
+            <a:endParaRPr kumimoji="0" lang="es-ES" sz="1600" b="0" i="0" u="none" strike="noStrike" kern="1200" cap="none" spc="0" normalizeH="0" baseline="0" noProof="0" dirty="0">
               <a:ln>
                 <a:noFill/>
               </a:ln>
@@ -7109,20 +7078,13 @@
     </p:spTree>
     <p:extLst>
       <p:ext uri="{BB962C8B-B14F-4D97-AF65-F5344CB8AC3E}">
-        <p14:creationId xmlns="" xmlns:p14="http://schemas.microsoft.com/office/powerpoint/2010/main" val="2332945952"/>
+        <p14:creationId xmlns:p14="http://schemas.microsoft.com/office/powerpoint/2010/main" val="2332945952"/>
       </p:ext>
     </p:extLst>
   </p:cSld>
   <p:clrMapOvr>
     <a:masterClrMapping/>
   </p:clrMapOvr>
-  <p:timing>
-    <p:tnLst>
-      <p:par>
-        <p:cTn id="1" dur="indefinite" restart="never" nodeType="tmRoot"/>
-      </p:par>
-    </p:tnLst>
-  </p:timing>
 </p:sld>
 </file>
 
@@ -7159,10 +7121,10 @@
           <a:lstStyle/>
           <a:p>
             <a:r>
-              <a:rPr lang="es-ES" dirty="0" smtClean="0"/>
+              <a:rPr lang="es-ES" dirty="0"/>
               <a:t>MPN - La Regla de Negocio</a:t>
             </a:r>
-            <a:endParaRPr lang="es-PE" dirty="0" smtClean="0"/>
+            <a:endParaRPr lang="es-PE" dirty="0"/>
           </a:p>
         </p:txBody>
       </p:sp>
@@ -7182,72 +7144,67 @@
           <a:lstStyle/>
           <a:p>
             <a:r>
-              <a:rPr lang="es-PE" dirty="0" smtClean="0"/>
-              <a:t>Condición a cumplir por </a:t>
-            </a:r>
-            <a:r>
-              <a:rPr lang="es-PE" dirty="0" smtClean="0"/>
-              <a:t>la actividad</a:t>
-            </a:r>
-            <a:endParaRPr lang="es-PE" dirty="0" smtClean="0"/>
-          </a:p>
-          <a:p>
-            <a:r>
-              <a:rPr lang="es-PE" dirty="0" smtClean="0"/>
+              <a:rPr lang="es-PE" dirty="0"/>
+              <a:t>Condición a cumplir por la actividad</a:t>
+            </a:r>
+          </a:p>
+          <a:p>
+            <a:r>
+              <a:rPr lang="es-PE" dirty="0"/>
               <a:t>Único y propio de un Proceso</a:t>
             </a:r>
           </a:p>
           <a:p>
             <a:r>
-              <a:rPr lang="es-PE" dirty="0" smtClean="0"/>
+              <a:rPr lang="es-PE" dirty="0"/>
               <a:t>Especifico para cada caso de aplicación.</a:t>
             </a:r>
           </a:p>
           <a:p>
             <a:r>
-              <a:rPr lang="es-PE" dirty="0" smtClean="0"/>
+              <a:rPr lang="es-PE" dirty="0"/>
               <a:t>Consistente ante reglas similares y contradictorias</a:t>
             </a:r>
           </a:p>
           <a:p>
             <a:r>
-              <a:rPr lang="es-PE" dirty="0" smtClean="0"/>
+              <a:rPr lang="es-PE" dirty="0"/>
               <a:t>Clara, evita la ambigüedad o interpretaciones.</a:t>
             </a:r>
           </a:p>
           <a:p>
             <a:r>
-              <a:rPr lang="es-PE" dirty="0" smtClean="0"/>
+              <a:rPr lang="es-PE" dirty="0"/>
               <a:t>Probado, en todos sus casos</a:t>
             </a:r>
           </a:p>
           <a:p>
             <a:r>
-              <a:rPr lang="es-PE" dirty="0" smtClean="0"/>
+              <a:rPr lang="es-PE" dirty="0"/>
               <a:t>Temporalidad, tiene valor durante un tiempo</a:t>
             </a:r>
           </a:p>
           <a:p>
-            <a:endParaRPr lang="es-PE" dirty="0" smtClean="0"/>
-          </a:p>
-          <a:p>
-            <a:endParaRPr lang="es-PE" dirty="0" smtClean="0"/>
-          </a:p>
-          <a:p>
-            <a:pPr lvl="1"/>
-            <a:endParaRPr lang="es-PE" dirty="0" smtClean="0"/>
-          </a:p>
-          <a:p>
-            <a:pPr lvl="1"/>
-            <a:endParaRPr lang="es-PE" dirty="0" smtClean="0"/>
+            <a:endParaRPr lang="es-PE" dirty="0"/>
+          </a:p>
+          <a:p>
+            <a:endParaRPr lang="es-PE" dirty="0"/>
+          </a:p>
+          <a:p>
+            <a:pPr lvl="1"/>
+            <a:endParaRPr lang="es-PE" dirty="0"/>
+          </a:p>
+          <a:p>
+            <a:pPr lvl="1"/>
+            <a:endParaRPr lang="es-PE" dirty="0"/>
           </a:p>
           <a:p>
             <a:pPr lvl="2"/>
-            <a:endParaRPr lang="es-PE" dirty="0" smtClean="0"/>
-          </a:p>
-          <a:p>
-            <a:pPr lvl="1"/>
-            <a:endParaRPr lang="es-PE" dirty="0" smtClean="0"/>
+            <a:endParaRPr lang="es-PE" dirty="0"/>
+          </a:p>
+          <a:p>
+            <a:pPr lvl="1"/>
+            <a:endParaRPr lang="es-PE" dirty="0"/>
           </a:p>
           <a:p>
             <a:endParaRPr lang="es-PE" dirty="0"/>
@@ -7257,20 +7214,13 @@
     </p:spTree>
     <p:extLst>
       <p:ext uri="{BB962C8B-B14F-4D97-AF65-F5344CB8AC3E}">
-        <p14:creationId xmlns="" xmlns:p14="http://schemas.microsoft.com/office/powerpoint/2010/main" val="2332945952"/>
+        <p14:creationId xmlns:p14="http://schemas.microsoft.com/office/powerpoint/2010/main" val="2332945952"/>
       </p:ext>
     </p:extLst>
   </p:cSld>
   <p:clrMapOvr>
     <a:masterClrMapping/>
   </p:clrMapOvr>
-  <p:timing>
-    <p:tnLst>
-      <p:par>
-        <p:cTn id="1" dur="indefinite" restart="never" nodeType="tmRoot"/>
-      </p:par>
-    </p:tnLst>
-  </p:timing>
 </p:sld>
 </file>
 
@@ -7307,10 +7257,10 @@
           <a:lstStyle/>
           <a:p>
             <a:r>
-              <a:rPr lang="es-ES" dirty="0" smtClean="0"/>
+              <a:rPr lang="es-ES" dirty="0"/>
               <a:t>MPN - La Regla de Negocio - Ejemplo</a:t>
             </a:r>
-            <a:endParaRPr lang="es-PE" dirty="0" smtClean="0"/>
+            <a:endParaRPr lang="es-PE" dirty="0"/>
           </a:p>
         </p:txBody>
       </p:sp>
@@ -7334,7 +7284,7 @@
               <a:buAutoNum type="arabicPeriod"/>
             </a:pPr>
             <a:r>
-              <a:rPr lang="es-PE" dirty="0" smtClean="0"/>
+              <a:rPr lang="es-PE" dirty="0"/>
               <a:t>La cuenta del ahorrista es activa</a:t>
             </a:r>
           </a:p>
@@ -7344,7 +7294,7 @@
               <a:buAutoNum type="arabicPeriod"/>
             </a:pPr>
             <a:r>
-              <a:rPr lang="es-PE" dirty="0" smtClean="0"/>
+              <a:rPr lang="es-PE" dirty="0"/>
               <a:t>La clave de usuario del ahorrista es válida</a:t>
             </a:r>
           </a:p>
@@ -7354,7 +7304,7 @@
               <a:buAutoNum type="arabicPeriod"/>
             </a:pPr>
             <a:r>
-              <a:rPr lang="es-PE" dirty="0" smtClean="0"/>
+              <a:rPr lang="es-PE" dirty="0"/>
               <a:t>La cantidad del dinero en la cuenta del ahorrista es mayor que la cantidad a retirar</a:t>
             </a:r>
           </a:p>
@@ -7364,7 +7314,7 @@
               <a:buAutoNum type="arabicPeriod"/>
             </a:pPr>
             <a:r>
-              <a:rPr lang="es-PE" dirty="0" smtClean="0"/>
+              <a:rPr lang="es-PE" dirty="0"/>
               <a:t>La cantidad del dinero en el cajero es mayor que la cantidad a retirar</a:t>
             </a:r>
           </a:p>
@@ -7374,7 +7324,7 @@
               <a:buAutoNum type="arabicPeriod"/>
             </a:pPr>
             <a:r>
-              <a:rPr lang="es-PE" dirty="0" smtClean="0"/>
+              <a:rPr lang="es-PE" dirty="0"/>
               <a:t>La boleta se encuentra disponible. </a:t>
             </a:r>
           </a:p>
@@ -7384,7 +7334,7 @@
               <a:buAutoNum type="arabicPeriod"/>
             </a:pPr>
             <a:r>
-              <a:rPr lang="es-PE" dirty="0" smtClean="0"/>
+              <a:rPr lang="es-PE" dirty="0"/>
               <a:t>La cantidad del dinero en la cuenta del ahorrista es mayor a cero</a:t>
             </a:r>
           </a:p>
@@ -7394,37 +7344,37 @@
               <a:buAutoNum type="arabicPeriod"/>
             </a:pPr>
             <a:r>
-              <a:rPr lang="es-PE" dirty="0" smtClean="0"/>
+              <a:rPr lang="es-PE" dirty="0"/>
               <a:t>La cantidad del dinero en el cajero es mayor a cero</a:t>
             </a:r>
           </a:p>
           <a:p>
-            <a:endParaRPr lang="es-PE" dirty="0" smtClean="0"/>
-          </a:p>
-          <a:p>
-            <a:endParaRPr lang="es-PE" dirty="0" smtClean="0"/>
-          </a:p>
-          <a:p>
-            <a:endParaRPr lang="es-PE" dirty="0" smtClean="0"/>
-          </a:p>
-          <a:p>
-            <a:endParaRPr lang="es-PE" dirty="0" smtClean="0"/>
-          </a:p>
-          <a:p>
-            <a:pPr lvl="1"/>
-            <a:endParaRPr lang="es-PE" dirty="0" smtClean="0"/>
-          </a:p>
-          <a:p>
-            <a:pPr lvl="1"/>
-            <a:endParaRPr lang="es-PE" dirty="0" smtClean="0"/>
+            <a:endParaRPr lang="es-PE" dirty="0"/>
+          </a:p>
+          <a:p>
+            <a:endParaRPr lang="es-PE" dirty="0"/>
+          </a:p>
+          <a:p>
+            <a:endParaRPr lang="es-PE" dirty="0"/>
+          </a:p>
+          <a:p>
+            <a:endParaRPr lang="es-PE" dirty="0"/>
+          </a:p>
+          <a:p>
+            <a:pPr lvl="1"/>
+            <a:endParaRPr lang="es-PE" dirty="0"/>
+          </a:p>
+          <a:p>
+            <a:pPr lvl="1"/>
+            <a:endParaRPr lang="es-PE" dirty="0"/>
           </a:p>
           <a:p>
             <a:pPr lvl="2"/>
-            <a:endParaRPr lang="es-PE" dirty="0" smtClean="0"/>
-          </a:p>
-          <a:p>
-            <a:pPr lvl="1"/>
-            <a:endParaRPr lang="es-PE" dirty="0" smtClean="0"/>
+            <a:endParaRPr lang="es-PE" dirty="0"/>
+          </a:p>
+          <a:p>
+            <a:pPr lvl="1"/>
+            <a:endParaRPr lang="es-PE" dirty="0"/>
           </a:p>
           <a:p>
             <a:endParaRPr lang="es-PE" dirty="0"/>
@@ -7434,20 +7384,13 @@
     </p:spTree>
     <p:extLst>
       <p:ext uri="{BB962C8B-B14F-4D97-AF65-F5344CB8AC3E}">
-        <p14:creationId xmlns="" xmlns:p14="http://schemas.microsoft.com/office/powerpoint/2010/main" val="2332945952"/>
+        <p14:creationId xmlns:p14="http://schemas.microsoft.com/office/powerpoint/2010/main" val="2332945952"/>
       </p:ext>
     </p:extLst>
   </p:cSld>
   <p:clrMapOvr>
     <a:masterClrMapping/>
   </p:clrMapOvr>
-  <p:timing>
-    <p:tnLst>
-      <p:par>
-        <p:cTn id="1" dur="indefinite" restart="never" nodeType="tmRoot"/>
-      </p:par>
-    </p:tnLst>
-  </p:timing>
 </p:sld>
 </file>
 
@@ -7484,10 +7427,10 @@
           <a:lstStyle/>
           <a:p>
             <a:r>
-              <a:rPr lang="es-ES" dirty="0" smtClean="0"/>
+              <a:rPr lang="es-ES" dirty="0"/>
               <a:t>MPN - La Regla de Negocio - Ejemplo</a:t>
             </a:r>
-            <a:endParaRPr lang="es-PE" dirty="0" smtClean="0"/>
+            <a:endParaRPr lang="es-PE" dirty="0"/>
           </a:p>
         </p:txBody>
       </p:sp>
@@ -7511,20 +7454,20 @@
               <a:buAutoNum type="arabicPeriod"/>
             </a:pPr>
             <a:r>
-              <a:rPr lang="es-PE" dirty="0" smtClean="0"/>
+              <a:rPr lang="es-PE" dirty="0"/>
               <a:t>Un cliente nuevo no puede realizar una orden de compra superior a 1000 soles</a:t>
             </a:r>
           </a:p>
           <a:p>
             <a:pPr marL="790575" lvl="1" indent="-342900"/>
             <a:r>
-              <a:rPr lang="es-PE" b="1" dirty="0" smtClean="0"/>
+              <a:rPr lang="es-PE" b="1" dirty="0"/>
               <a:t>La orden de compra de un cliente nuevo es menor o igual a 1000 soles</a:t>
             </a:r>
           </a:p>
           <a:p>
             <a:pPr marL="790575" lvl="1" indent="-342900"/>
-            <a:endParaRPr lang="es-PE" dirty="0" smtClean="0"/>
+            <a:endParaRPr lang="es-PE" dirty="0"/>
           </a:p>
           <a:p>
             <a:pPr marL="342900" indent="-342900">
@@ -7532,24 +7475,24 @@
               <a:buAutoNum type="arabicPeriod"/>
             </a:pPr>
             <a:r>
-              <a:rPr lang="es-PE" dirty="0" smtClean="0"/>
+              <a:rPr lang="es-PE" dirty="0"/>
               <a:t>No enviar órdenes a cliente que no hayan pagado la última </a:t>
             </a:r>
             <a:r>
-              <a:rPr lang="es-PE" b="1" dirty="0" smtClean="0"/>
+              <a:rPr lang="es-PE" b="1" dirty="0"/>
               <a:t>factura</a:t>
             </a:r>
           </a:p>
           <a:p>
             <a:pPr marL="790575" lvl="1" indent="-342900"/>
             <a:r>
-              <a:rPr lang="es-PE" b="1" dirty="0" smtClean="0"/>
+              <a:rPr lang="es-PE" b="1" dirty="0"/>
               <a:t>La orden se envía a clientes con última factura pagada.</a:t>
             </a:r>
           </a:p>
           <a:p>
             <a:pPr marL="790575" lvl="1" indent="-342900"/>
-            <a:endParaRPr lang="es-PE" dirty="0" smtClean="0"/>
+            <a:endParaRPr lang="es-PE" dirty="0"/>
           </a:p>
           <a:p>
             <a:pPr marL="342900" indent="-342900">
@@ -7557,11 +7500,11 @@
               <a:buAutoNum type="arabicPeriod"/>
             </a:pPr>
             <a:r>
-              <a:rPr lang="es-PE" dirty="0" smtClean="0"/>
+              <a:rPr lang="es-PE" dirty="0"/>
               <a:t>El total de una orden de compra es la suma de sus líneas – </a:t>
             </a:r>
             <a:r>
-              <a:rPr lang="es-PE" sz="2400" b="1" dirty="0" smtClean="0">
+              <a:rPr lang="es-PE" sz="2400" b="1" dirty="0">
                 <a:solidFill>
                   <a:srgbClr val="FF0000"/>
                 </a:solidFill>
@@ -7575,54 +7518,46 @@
               <a:buAutoNum type="arabicPeriod"/>
             </a:pPr>
             <a:r>
-              <a:rPr lang="es-PE" dirty="0" smtClean="0"/>
-              <a:t>Los clientes </a:t>
-            </a:r>
-            <a:r>
-              <a:rPr lang="es-PE" dirty="0" smtClean="0"/>
-              <a:t>se </a:t>
-            </a:r>
-            <a:r>
-              <a:rPr lang="es-PE" dirty="0" smtClean="0"/>
-              <a:t>identifican por su dirección, código postal y contacto - </a:t>
-            </a:r>
-            <a:r>
-              <a:rPr lang="es-PE" sz="2400" b="1" dirty="0" smtClean="0">
+              <a:rPr lang="es-PE" dirty="0"/>
+              <a:t>Los clientes se identifican por su dirección, código postal y contacto - </a:t>
+            </a:r>
+            <a:r>
+              <a:rPr lang="es-PE" sz="2400" b="1" dirty="0">
                 <a:solidFill>
                   <a:srgbClr val="FF0000"/>
                 </a:solidFill>
               </a:rPr>
               <a:t>X</a:t>
             </a:r>
-            <a:endParaRPr lang="es-PE" sz="2400" dirty="0" smtClean="0"/>
-          </a:p>
-          <a:p>
-            <a:endParaRPr lang="es-PE" dirty="0" smtClean="0"/>
-          </a:p>
-          <a:p>
-            <a:endParaRPr lang="es-PE" dirty="0" smtClean="0"/>
-          </a:p>
-          <a:p>
-            <a:endParaRPr lang="es-PE" dirty="0" smtClean="0"/>
-          </a:p>
-          <a:p>
-            <a:endParaRPr lang="es-PE" dirty="0" smtClean="0"/>
-          </a:p>
-          <a:p>
-            <a:pPr lvl="1"/>
-            <a:endParaRPr lang="es-PE" dirty="0" smtClean="0"/>
-          </a:p>
-          <a:p>
-            <a:pPr lvl="1"/>
-            <a:endParaRPr lang="es-PE" dirty="0" smtClean="0"/>
+            <a:endParaRPr lang="es-PE" sz="2400" dirty="0"/>
+          </a:p>
+          <a:p>
+            <a:endParaRPr lang="es-PE" dirty="0"/>
+          </a:p>
+          <a:p>
+            <a:endParaRPr lang="es-PE" dirty="0"/>
+          </a:p>
+          <a:p>
+            <a:endParaRPr lang="es-PE" dirty="0"/>
+          </a:p>
+          <a:p>
+            <a:endParaRPr lang="es-PE" dirty="0"/>
+          </a:p>
+          <a:p>
+            <a:pPr lvl="1"/>
+            <a:endParaRPr lang="es-PE" dirty="0"/>
+          </a:p>
+          <a:p>
+            <a:pPr lvl="1"/>
+            <a:endParaRPr lang="es-PE" dirty="0"/>
           </a:p>
           <a:p>
             <a:pPr lvl="2"/>
-            <a:endParaRPr lang="es-PE" dirty="0" smtClean="0"/>
-          </a:p>
-          <a:p>
-            <a:pPr lvl="1"/>
-            <a:endParaRPr lang="es-PE" dirty="0" smtClean="0"/>
+            <a:endParaRPr lang="es-PE" dirty="0"/>
+          </a:p>
+          <a:p>
+            <a:pPr lvl="1"/>
+            <a:endParaRPr lang="es-PE" dirty="0"/>
           </a:p>
           <a:p>
             <a:endParaRPr lang="es-PE" dirty="0"/>
@@ -7632,20 +7567,13 @@
     </p:spTree>
     <p:extLst>
       <p:ext uri="{BB962C8B-B14F-4D97-AF65-F5344CB8AC3E}">
-        <p14:creationId xmlns="" xmlns:p14="http://schemas.microsoft.com/office/powerpoint/2010/main" val="2332945952"/>
+        <p14:creationId xmlns:p14="http://schemas.microsoft.com/office/powerpoint/2010/main" val="2332945952"/>
       </p:ext>
     </p:extLst>
   </p:cSld>
   <p:clrMapOvr>
     <a:masterClrMapping/>
   </p:clrMapOvr>
-  <p:timing>
-    <p:tnLst>
-      <p:par>
-        <p:cTn id="1" dur="indefinite" restart="never" nodeType="tmRoot"/>
-      </p:par>
-    </p:tnLst>
-  </p:timing>
 </p:sld>
 </file>
 
@@ -7682,7 +7610,7 @@
           <a:lstStyle/>
           <a:p>
             <a:r>
-              <a:rPr lang="es-PE" dirty="0" smtClean="0"/>
+              <a:rPr lang="es-PE" dirty="0"/>
               <a:t>MPN - Formatos Detallados</a:t>
             </a:r>
           </a:p>
@@ -7704,70 +7632,70 @@
           <a:lstStyle/>
           <a:p>
             <a:r>
-              <a:rPr lang="es-PE" dirty="0" smtClean="0"/>
+              <a:rPr lang="es-PE" dirty="0"/>
               <a:t>Formato para recibir información / Formato de Salida de Información</a:t>
             </a:r>
           </a:p>
           <a:p>
             <a:r>
-              <a:rPr lang="es-PE" dirty="0" smtClean="0"/>
+              <a:rPr lang="es-PE" dirty="0"/>
               <a:t>Identificación del Formato</a:t>
             </a:r>
           </a:p>
           <a:p>
             <a:r>
-              <a:rPr lang="es-PE" dirty="0" smtClean="0"/>
+              <a:rPr lang="es-PE" dirty="0"/>
               <a:t>Nombre del Formato</a:t>
             </a:r>
           </a:p>
           <a:p>
             <a:r>
-              <a:rPr lang="es-PE" dirty="0" smtClean="0"/>
+              <a:rPr lang="es-PE" dirty="0"/>
               <a:t>Descripción del Formato</a:t>
             </a:r>
           </a:p>
           <a:p>
             <a:r>
-              <a:rPr lang="es-PE" dirty="0" smtClean="0"/>
+              <a:rPr lang="es-PE" dirty="0"/>
               <a:t>Descripción de atributos</a:t>
             </a:r>
           </a:p>
           <a:p>
             <a:pPr lvl="1"/>
             <a:r>
-              <a:rPr lang="es-PE" dirty="0" smtClean="0"/>
+              <a:rPr lang="es-PE" dirty="0"/>
               <a:t>Nombre</a:t>
             </a:r>
           </a:p>
           <a:p>
             <a:pPr lvl="1"/>
             <a:r>
-              <a:rPr lang="es-PE" dirty="0" smtClean="0"/>
+              <a:rPr lang="es-PE" dirty="0"/>
               <a:t>Descripción</a:t>
             </a:r>
           </a:p>
           <a:p>
             <a:pPr lvl="1"/>
             <a:r>
-              <a:rPr lang="es-PE" dirty="0" smtClean="0"/>
+              <a:rPr lang="es-PE" dirty="0"/>
               <a:t>Valores permitidos</a:t>
             </a:r>
           </a:p>
           <a:p>
             <a:pPr lvl="1"/>
-            <a:endParaRPr lang="es-PE" dirty="0" smtClean="0"/>
-          </a:p>
-          <a:p>
-            <a:pPr lvl="1"/>
-            <a:endParaRPr lang="es-PE" dirty="0" smtClean="0"/>
+            <a:endParaRPr lang="es-PE" dirty="0"/>
+          </a:p>
+          <a:p>
+            <a:pPr lvl="1"/>
+            <a:endParaRPr lang="es-PE" dirty="0"/>
           </a:p>
           <a:p>
             <a:pPr lvl="2"/>
-            <a:endParaRPr lang="es-PE" dirty="0" smtClean="0"/>
-          </a:p>
-          <a:p>
-            <a:pPr lvl="1"/>
-            <a:endParaRPr lang="es-PE" dirty="0" smtClean="0"/>
+            <a:endParaRPr lang="es-PE" dirty="0"/>
+          </a:p>
+          <a:p>
+            <a:pPr lvl="1"/>
+            <a:endParaRPr lang="es-PE" dirty="0"/>
           </a:p>
           <a:p>
             <a:endParaRPr lang="es-PE" dirty="0"/>
@@ -7777,20 +7705,13 @@
     </p:spTree>
     <p:extLst>
       <p:ext uri="{BB962C8B-B14F-4D97-AF65-F5344CB8AC3E}">
-        <p14:creationId xmlns="" xmlns:p14="http://schemas.microsoft.com/office/powerpoint/2010/main" val="2332945952"/>
+        <p14:creationId xmlns:p14="http://schemas.microsoft.com/office/powerpoint/2010/main" val="2332945952"/>
       </p:ext>
     </p:extLst>
   </p:cSld>
   <p:clrMapOvr>
     <a:masterClrMapping/>
   </p:clrMapOvr>
-  <p:timing>
-    <p:tnLst>
-      <p:par>
-        <p:cTn id="1" dur="indefinite" restart="never" nodeType="tmRoot"/>
-      </p:par>
-    </p:tnLst>
-  </p:timing>
 </p:sld>
 </file>
 
@@ -7827,7 +7748,7 @@
           <a:lstStyle/>
           <a:p>
             <a:r>
-              <a:rPr lang="es-PE" dirty="0" smtClean="0"/>
+              <a:rPr lang="es-PE" dirty="0"/>
               <a:t>MPN - Formatos Detallados - ejemplo</a:t>
             </a:r>
           </a:p>
@@ -7849,61 +7770,61 @@
           <a:lstStyle/>
           <a:p>
             <a:r>
-              <a:rPr lang="es-PE" dirty="0" smtClean="0"/>
+              <a:rPr lang="es-PE" dirty="0"/>
               <a:t>Boleta de Retiro</a:t>
             </a:r>
           </a:p>
           <a:p>
             <a:pPr lvl="1"/>
             <a:r>
-              <a:rPr lang="es-PE" dirty="0" smtClean="0"/>
+              <a:rPr lang="es-PE" dirty="0"/>
               <a:t>Tipo de Operación (Etiqueta), Fecha (día/mes/año)</a:t>
             </a:r>
           </a:p>
           <a:p>
             <a:pPr lvl="1"/>
             <a:r>
-              <a:rPr lang="es-PE" dirty="0" smtClean="0"/>
+              <a:rPr lang="es-PE" dirty="0"/>
               <a:t>Número de Cuenta (Número Compuesto), Moneda (tipo Moneda)</a:t>
             </a:r>
           </a:p>
           <a:p>
             <a:pPr lvl="1"/>
             <a:r>
-              <a:rPr lang="es-PE" dirty="0" smtClean="0"/>
+              <a:rPr lang="es-PE" dirty="0"/>
               <a:t>Importe del Retiro (símbolo, Cantidad), </a:t>
             </a:r>
             <a:r>
-              <a:rPr lang="es-PE" dirty="0" err="1" smtClean="0"/>
+              <a:rPr lang="es-PE" dirty="0" err="1"/>
               <a:t>Itf</a:t>
             </a:r>
             <a:r>
-              <a:rPr lang="es-PE" dirty="0" smtClean="0"/>
+              <a:rPr lang="es-PE" dirty="0"/>
               <a:t> (símbolo, Cantidad)</a:t>
             </a:r>
           </a:p>
           <a:p>
             <a:pPr lvl="1"/>
             <a:r>
-              <a:rPr lang="es-PE" dirty="0" smtClean="0"/>
+              <a:rPr lang="es-PE" dirty="0"/>
               <a:t>Cargo (Texto, Cantidad, tipo Moneda)</a:t>
             </a:r>
           </a:p>
           <a:p>
             <a:pPr lvl="1"/>
-            <a:endParaRPr lang="es-PE" dirty="0" smtClean="0"/>
-          </a:p>
-          <a:p>
-            <a:pPr lvl="1"/>
-            <a:endParaRPr lang="es-PE" dirty="0" smtClean="0"/>
+            <a:endParaRPr lang="es-PE" dirty="0"/>
+          </a:p>
+          <a:p>
+            <a:pPr lvl="1"/>
+            <a:endParaRPr lang="es-PE" dirty="0"/>
           </a:p>
           <a:p>
             <a:pPr lvl="2"/>
-            <a:endParaRPr lang="es-PE" dirty="0" smtClean="0"/>
-          </a:p>
-          <a:p>
-            <a:pPr lvl="1"/>
-            <a:endParaRPr lang="es-PE" dirty="0" smtClean="0"/>
+            <a:endParaRPr lang="es-PE" dirty="0"/>
+          </a:p>
+          <a:p>
+            <a:pPr lvl="1"/>
+            <a:endParaRPr lang="es-PE" dirty="0"/>
           </a:p>
           <a:p>
             <a:endParaRPr lang="es-PE" dirty="0"/>
@@ -7945,20 +7866,13 @@
     </p:spTree>
     <p:extLst>
       <p:ext uri="{BB962C8B-B14F-4D97-AF65-F5344CB8AC3E}">
-        <p14:creationId xmlns="" xmlns:p14="http://schemas.microsoft.com/office/powerpoint/2010/main" val="2332945952"/>
+        <p14:creationId xmlns:p14="http://schemas.microsoft.com/office/powerpoint/2010/main" val="2332945952"/>
       </p:ext>
     </p:extLst>
   </p:cSld>
   <p:clrMapOvr>
     <a:masterClrMapping/>
   </p:clrMapOvr>
-  <p:timing>
-    <p:tnLst>
-      <p:par>
-        <p:cTn id="1" dur="indefinite" restart="never" nodeType="tmRoot"/>
-      </p:par>
-    </p:tnLst>
-  </p:timing>
 </p:sld>
 </file>
 
@@ -7995,10 +7909,9 @@
           <a:lstStyle/>
           <a:p>
             <a:r>
-              <a:rPr lang="es-PE" dirty="0" smtClean="0"/>
+              <a:rPr lang="es-PE" dirty="0"/>
               <a:t>Contenido:</a:t>
             </a:r>
-            <a:endParaRPr lang="es-PE" dirty="0"/>
           </a:p>
         </p:txBody>
       </p:sp>
@@ -8018,63 +7931,63 @@
           <a:lstStyle/>
           <a:p>
             <a:r>
-              <a:rPr lang="es-PE" dirty="0" smtClean="0"/>
+              <a:rPr lang="es-PE" dirty="0"/>
               <a:t>Requisitos del Desarrollo de Sistemas </a:t>
             </a:r>
           </a:p>
           <a:p>
             <a:pPr lvl="1"/>
             <a:r>
-              <a:rPr lang="es-PE" dirty="0" smtClean="0"/>
+              <a:rPr lang="es-PE" dirty="0"/>
               <a:t>Requisitos de la Documentación </a:t>
             </a:r>
           </a:p>
           <a:p>
             <a:pPr lvl="2"/>
             <a:r>
-              <a:rPr lang="es-PE" dirty="0" smtClean="0"/>
+              <a:rPr lang="es-PE" dirty="0"/>
               <a:t>Objetivos</a:t>
             </a:r>
           </a:p>
           <a:p>
             <a:pPr lvl="1"/>
-            <a:endParaRPr lang="es-PE" dirty="0" smtClean="0"/>
-          </a:p>
-          <a:p>
-            <a:pPr lvl="1"/>
-            <a:r>
-              <a:rPr lang="es-PE" dirty="0" smtClean="0"/>
+            <a:endParaRPr lang="es-PE" dirty="0"/>
+          </a:p>
+          <a:p>
+            <a:pPr lvl="1"/>
+            <a:r>
+              <a:rPr lang="es-PE" dirty="0"/>
               <a:t>Modelo de Procesos de negocio (MPN)</a:t>
             </a:r>
           </a:p>
           <a:p>
             <a:pPr lvl="2"/>
             <a:r>
-              <a:rPr lang="es-PE" dirty="0" smtClean="0"/>
+              <a:rPr lang="es-PE" dirty="0"/>
               <a:t>Requisitos</a:t>
             </a:r>
           </a:p>
           <a:p>
             <a:pPr lvl="1"/>
-            <a:endParaRPr lang="es-PE" dirty="0" smtClean="0"/>
-          </a:p>
-          <a:p>
-            <a:pPr lvl="1"/>
-            <a:r>
-              <a:rPr lang="es-PE" dirty="0" smtClean="0"/>
+            <a:endParaRPr lang="es-PE" dirty="0"/>
+          </a:p>
+          <a:p>
+            <a:pPr lvl="1"/>
+            <a:r>
+              <a:rPr lang="es-PE" dirty="0"/>
               <a:t>Formato de Definición de Sistemas (F2)</a:t>
             </a:r>
           </a:p>
           <a:p>
             <a:pPr lvl="2"/>
             <a:r>
-              <a:rPr lang="es-PE" dirty="0" smtClean="0"/>
+              <a:rPr lang="es-PE" dirty="0"/>
               <a:t>Requisitos</a:t>
             </a:r>
           </a:p>
           <a:p>
             <a:pPr lvl="1"/>
-            <a:endParaRPr lang="es-PE" dirty="0" smtClean="0"/>
+            <a:endParaRPr lang="es-PE" dirty="0"/>
           </a:p>
           <a:p>
             <a:endParaRPr lang="es-PE" dirty="0"/>
@@ -8112,20 +8025,13 @@
     </p:spTree>
     <p:extLst>
       <p:ext uri="{BB962C8B-B14F-4D97-AF65-F5344CB8AC3E}">
-        <p14:creationId xmlns="" xmlns:p14="http://schemas.microsoft.com/office/powerpoint/2010/main" val="2332945952"/>
+        <p14:creationId xmlns:p14="http://schemas.microsoft.com/office/powerpoint/2010/main" val="2332945952"/>
       </p:ext>
     </p:extLst>
   </p:cSld>
   <p:clrMapOvr>
     <a:masterClrMapping/>
   </p:clrMapOvr>
-  <p:timing>
-    <p:tnLst>
-      <p:par>
-        <p:cTn id="1" dur="indefinite" restart="never" nodeType="tmRoot"/>
-      </p:par>
-    </p:tnLst>
-  </p:timing>
 </p:sld>
 </file>
 
@@ -8162,7 +8068,7 @@
           <a:lstStyle/>
           <a:p>
             <a:r>
-              <a:rPr lang="es-PE" dirty="0" smtClean="0"/>
+              <a:rPr lang="es-PE" dirty="0"/>
               <a:t>Características del Proceso:</a:t>
             </a:r>
           </a:p>
@@ -8184,74 +8090,74 @@
           <a:lstStyle/>
           <a:p>
             <a:r>
-              <a:rPr lang="es-PE" dirty="0" smtClean="0"/>
+              <a:rPr lang="es-PE" dirty="0"/>
               <a:t>Indicadores de: </a:t>
             </a:r>
           </a:p>
           <a:p>
             <a:pPr lvl="1"/>
             <a:r>
-              <a:rPr lang="es-PE" dirty="0" smtClean="0"/>
+              <a:rPr lang="es-PE" dirty="0"/>
               <a:t>Cantidad de ítems</a:t>
             </a:r>
           </a:p>
           <a:p>
             <a:pPr lvl="1"/>
             <a:r>
-              <a:rPr lang="es-PE" dirty="0" smtClean="0"/>
+              <a:rPr lang="es-PE" dirty="0"/>
               <a:t>Cantidad de transacciones</a:t>
             </a:r>
           </a:p>
           <a:p>
             <a:pPr lvl="1"/>
             <a:r>
-              <a:rPr lang="es-PE" dirty="0" smtClean="0"/>
+              <a:rPr lang="es-PE" dirty="0"/>
               <a:t>Tipos de usuario</a:t>
             </a:r>
           </a:p>
           <a:p>
             <a:pPr lvl="1"/>
             <a:r>
-              <a:rPr lang="es-PE" dirty="0" smtClean="0"/>
+              <a:rPr lang="es-PE" dirty="0"/>
               <a:t>Cantidad de usuarios por tipo</a:t>
             </a:r>
           </a:p>
           <a:p>
             <a:pPr lvl="1"/>
             <a:r>
-              <a:rPr lang="es-PE" dirty="0" smtClean="0"/>
+              <a:rPr lang="es-PE" dirty="0"/>
               <a:t>Tiempo de respuesta esperada</a:t>
             </a:r>
           </a:p>
           <a:p>
             <a:pPr lvl="1"/>
             <a:r>
-              <a:rPr lang="es-PE" dirty="0" smtClean="0"/>
+              <a:rPr lang="es-PE" dirty="0"/>
               <a:t>Seguridad de información requerida</a:t>
             </a:r>
           </a:p>
           <a:p>
             <a:pPr lvl="1"/>
             <a:r>
-              <a:rPr lang="es-PE" dirty="0" smtClean="0"/>
+              <a:rPr lang="es-PE" dirty="0"/>
               <a:t>Ubicación geográfica de usuarios</a:t>
             </a:r>
           </a:p>
           <a:p>
             <a:pPr lvl="1"/>
-            <a:endParaRPr lang="es-PE" dirty="0" smtClean="0"/>
-          </a:p>
-          <a:p>
-            <a:pPr lvl="1"/>
-            <a:endParaRPr lang="es-PE" dirty="0" smtClean="0"/>
+            <a:endParaRPr lang="es-PE" dirty="0"/>
+          </a:p>
+          <a:p>
+            <a:pPr lvl="1"/>
+            <a:endParaRPr lang="es-PE" dirty="0"/>
           </a:p>
           <a:p>
             <a:pPr lvl="2"/>
-            <a:endParaRPr lang="es-PE" dirty="0" smtClean="0"/>
-          </a:p>
-          <a:p>
-            <a:pPr lvl="1"/>
-            <a:endParaRPr lang="es-PE" dirty="0" smtClean="0"/>
+            <a:endParaRPr lang="es-PE" dirty="0"/>
+          </a:p>
+          <a:p>
+            <a:pPr lvl="1"/>
+            <a:endParaRPr lang="es-PE" dirty="0"/>
           </a:p>
           <a:p>
             <a:endParaRPr lang="es-PE" dirty="0"/>
@@ -8261,20 +8167,13 @@
     </p:spTree>
     <p:extLst>
       <p:ext uri="{BB962C8B-B14F-4D97-AF65-F5344CB8AC3E}">
-        <p14:creationId xmlns="" xmlns:p14="http://schemas.microsoft.com/office/powerpoint/2010/main" val="2332945952"/>
+        <p14:creationId xmlns:p14="http://schemas.microsoft.com/office/powerpoint/2010/main" val="2332945952"/>
       </p:ext>
     </p:extLst>
   </p:cSld>
   <p:clrMapOvr>
     <a:masterClrMapping/>
   </p:clrMapOvr>
-  <p:timing>
-    <p:tnLst>
-      <p:par>
-        <p:cTn id="1" dur="indefinite" restart="never" nodeType="tmRoot"/>
-      </p:par>
-    </p:tnLst>
-  </p:timing>
 </p:sld>
 </file>
 
@@ -8311,7 +8210,7 @@
           <a:lstStyle/>
           <a:p>
             <a:r>
-              <a:rPr lang="es-PE" dirty="0" smtClean="0"/>
+              <a:rPr lang="es-PE" dirty="0"/>
               <a:t>Características del Proceso:</a:t>
             </a:r>
           </a:p>
@@ -8330,81 +8229,137 @@
         <p:spPr/>
         <p:txBody>
           <a:bodyPr>
-            <a:normAutofit/>
+            <a:normAutofit lnSpcReduction="10000"/>
           </a:bodyPr>
           <a:lstStyle/>
           <a:p>
             <a:r>
-              <a:rPr lang="es-PE" dirty="0" smtClean="0"/>
+              <a:rPr lang="es-PE" dirty="0"/>
               <a:t>Permite el conocimiento de los tamaños y características del Proceso</a:t>
             </a:r>
           </a:p>
           <a:p>
             <a:r>
-              <a:rPr lang="es-PE" dirty="0" smtClean="0"/>
+              <a:rPr lang="es-PE" dirty="0"/>
               <a:t>Determina la solución de sistemas</a:t>
             </a:r>
           </a:p>
           <a:p>
             <a:pPr lvl="1"/>
             <a:r>
-              <a:rPr lang="es-PE" dirty="0" smtClean="0"/>
+              <a:rPr lang="es-PE" dirty="0"/>
               <a:t>Tecnología a emplear</a:t>
             </a:r>
           </a:p>
           <a:p>
-            <a:pPr lvl="1"/>
-            <a:r>
-              <a:rPr lang="es-PE" dirty="0" smtClean="0"/>
+            <a:pPr lvl="2"/>
+            <a:r>
+              <a:rPr lang="es-PE" dirty="0"/>
+              <a:t>La implementación va a ser para uso interno o para usuarios externos? Es necesario que el sistema trabaje 24*7?</a:t>
+            </a:r>
+          </a:p>
+          <a:p>
+            <a:pPr lvl="1"/>
+            <a:r>
+              <a:rPr lang="es-PE" dirty="0"/>
               <a:t>El tipo de arquitectura</a:t>
             </a:r>
           </a:p>
           <a:p>
-            <a:pPr lvl="1"/>
-            <a:r>
-              <a:rPr lang="es-PE" dirty="0" smtClean="0"/>
+            <a:pPr lvl="2"/>
+            <a:r>
+              <a:rPr lang="es-PE" dirty="0"/>
+              <a:t>Cuantos usuarios van a acceder al sistema diariamente? Cuantos usuarios van a acceder al mismo tiempo? (concurrencia) Existe información común a </a:t>
+            </a:r>
+            <a:r>
+              <a:rPr lang="es-PE" dirty="0" err="1"/>
+              <a:t>accesar</a:t>
+            </a:r>
+            <a:r>
+              <a:rPr lang="es-PE" dirty="0"/>
+              <a:t> o modificar en diversas actividades del proceso? (servicios)</a:t>
+            </a:r>
+          </a:p>
+          <a:p>
+            <a:pPr lvl="1"/>
+            <a:r>
+              <a:rPr lang="es-PE" dirty="0"/>
               <a:t>El tipo de programación</a:t>
             </a:r>
           </a:p>
           <a:p>
-            <a:pPr lvl="1"/>
-            <a:r>
-              <a:rPr lang="es-PE" dirty="0" smtClean="0"/>
+            <a:pPr lvl="2"/>
+            <a:endParaRPr lang="es-PE" dirty="0"/>
+          </a:p>
+          <a:p>
+            <a:pPr lvl="1"/>
+            <a:r>
+              <a:rPr lang="es-PE" dirty="0"/>
               <a:t>El tamaño de la base de datos</a:t>
             </a:r>
           </a:p>
           <a:p>
-            <a:pPr lvl="1"/>
-            <a:r>
-              <a:rPr lang="es-PE" dirty="0" smtClean="0"/>
+            <a:pPr lvl="2"/>
+            <a:r>
+              <a:rPr lang="es-PE" dirty="0"/>
+              <a:t>Cuantas declaraciones vamos a tener al mes? Cuantos documentos va a tener cada declaración? Cuantos detalles van a tener dichos documentos? Vamos a trabajar con archivos multimedia?</a:t>
+            </a:r>
+          </a:p>
+          <a:p>
+            <a:pPr lvl="1"/>
+            <a:r>
+              <a:rPr lang="es-PE" dirty="0"/>
               <a:t>El diseño de la interfaz de usuario</a:t>
             </a:r>
           </a:p>
           <a:p>
-            <a:pPr lvl="1"/>
-            <a:endParaRPr lang="es-PE" dirty="0" smtClean="0"/>
-          </a:p>
-          <a:p>
-            <a:endParaRPr lang="es-PE" dirty="0" smtClean="0"/>
-          </a:p>
-          <a:p>
-            <a:endParaRPr lang="es-PE" dirty="0" smtClean="0"/>
-          </a:p>
-          <a:p>
-            <a:pPr lvl="1"/>
-            <a:endParaRPr lang="es-PE" dirty="0" smtClean="0"/>
-          </a:p>
-          <a:p>
-            <a:pPr lvl="1"/>
-            <a:endParaRPr lang="es-PE" dirty="0" smtClean="0"/>
-          </a:p>
-          <a:p>
             <a:pPr lvl="2"/>
-            <a:endParaRPr lang="es-PE" dirty="0" smtClean="0"/>
-          </a:p>
-          <a:p>
-            <a:pPr lvl="1"/>
-            <a:endParaRPr lang="es-PE" dirty="0" smtClean="0"/>
+            <a:r>
+              <a:rPr lang="es-PE" dirty="0"/>
+              <a:t>La implementación va a ser utilizada en que tipos de dispositivos? (como pc, laptops, móviles, </a:t>
+            </a:r>
+            <a:r>
+              <a:rPr lang="es-PE" dirty="0" err="1"/>
+              <a:t>touch</a:t>
+            </a:r>
+            <a:r>
+              <a:rPr lang="es-PE" dirty="0"/>
+              <a:t> </a:t>
+            </a:r>
+            <a:r>
+              <a:rPr lang="es-PE" dirty="0" err="1"/>
+              <a:t>screen</a:t>
+            </a:r>
+            <a:r>
+              <a:rPr lang="es-PE" dirty="0"/>
+              <a:t>), en nuestro universo de usuarios existen personas discapacitadas?</a:t>
+            </a:r>
+          </a:p>
+          <a:p>
+            <a:pPr lvl="1"/>
+            <a:endParaRPr lang="es-PE" dirty="0"/>
+          </a:p>
+          <a:p>
+            <a:endParaRPr lang="es-PE" dirty="0"/>
+          </a:p>
+          <a:p>
+            <a:endParaRPr lang="es-PE" dirty="0"/>
+          </a:p>
+          <a:p>
+            <a:pPr lvl="1"/>
+            <a:endParaRPr lang="es-PE" dirty="0"/>
+          </a:p>
+          <a:p>
+            <a:pPr lvl="1"/>
+            <a:endParaRPr lang="es-PE" dirty="0"/>
+          </a:p>
+          <a:p>
+            <a:pPr lvl="2"/>
+            <a:endParaRPr lang="es-PE" dirty="0"/>
+          </a:p>
+          <a:p>
+            <a:pPr lvl="1"/>
+            <a:endParaRPr lang="es-PE" dirty="0"/>
           </a:p>
           <a:p>
             <a:endParaRPr lang="es-PE" dirty="0"/>
@@ -8414,20 +8369,13 @@
     </p:spTree>
     <p:extLst>
       <p:ext uri="{BB962C8B-B14F-4D97-AF65-F5344CB8AC3E}">
-        <p14:creationId xmlns="" xmlns:p14="http://schemas.microsoft.com/office/powerpoint/2010/main" val="2332945952"/>
+        <p14:creationId xmlns:p14="http://schemas.microsoft.com/office/powerpoint/2010/main" val="2332945952"/>
       </p:ext>
     </p:extLst>
   </p:cSld>
   <p:clrMapOvr>
     <a:masterClrMapping/>
   </p:clrMapOvr>
-  <p:timing>
-    <p:tnLst>
-      <p:par>
-        <p:cTn id="1" dur="indefinite" restart="never" nodeType="tmRoot"/>
-      </p:par>
-    </p:tnLst>
-  </p:timing>
 </p:sld>
 </file>
 
@@ -8464,10 +8412,9 @@
           <a:lstStyle/>
           <a:p>
             <a:r>
-              <a:rPr lang="es-PE" dirty="0" smtClean="0"/>
+              <a:rPr lang="es-PE" dirty="0"/>
               <a:t>Preguntas?</a:t>
             </a:r>
-            <a:endParaRPr lang="es-PE" dirty="0"/>
           </a:p>
         </p:txBody>
       </p:sp>
@@ -8490,7 +8437,7 @@
           <a:noFill/>
           <a:extLst>
             <a:ext uri="{909E8E84-426E-40DD-AFC4-6F175D3DCCD1}">
-              <a14:hiddenFill xmlns="" xmlns:a14="http://schemas.microsoft.com/office/drawing/2010/main">
+              <a14:hiddenFill xmlns:a14="http://schemas.microsoft.com/office/drawing/2010/main">
                 <a:solidFill>
                   <a:srgbClr val="FFFFFF"/>
                 </a:solidFill>
@@ -8529,7 +8476,7 @@
           <a:noFill/>
           <a:extLst>
             <a:ext uri="{909E8E84-426E-40DD-AFC4-6F175D3DCCD1}">
-              <a14:hiddenFill xmlns="" xmlns:a14="http://schemas.microsoft.com/office/drawing/2010/main">
+              <a14:hiddenFill xmlns:a14="http://schemas.microsoft.com/office/drawing/2010/main">
                 <a:solidFill>
                   <a:srgbClr val="FFFFFF"/>
                 </a:solidFill>
@@ -8568,7 +8515,7 @@
           <a:noFill/>
           <a:extLst>
             <a:ext uri="{909E8E84-426E-40DD-AFC4-6F175D3DCCD1}">
-              <a14:hiddenFill xmlns="" xmlns:a14="http://schemas.microsoft.com/office/drawing/2010/main">
+              <a14:hiddenFill xmlns:a14="http://schemas.microsoft.com/office/drawing/2010/main">
                 <a:solidFill>
                   <a:srgbClr val="FFFFFF"/>
                 </a:solidFill>
@@ -8607,7 +8554,7 @@
           <a:noFill/>
           <a:extLst>
             <a:ext uri="{909E8E84-426E-40DD-AFC4-6F175D3DCCD1}">
-              <a14:hiddenFill xmlns="" xmlns:a14="http://schemas.microsoft.com/office/drawing/2010/main">
+              <a14:hiddenFill xmlns:a14="http://schemas.microsoft.com/office/drawing/2010/main">
                 <a:solidFill>
                   <a:srgbClr val="FFFFFF"/>
                 </a:solidFill>
@@ -8658,20 +8605,13 @@
     </p:spTree>
     <p:extLst>
       <p:ext uri="{BB962C8B-B14F-4D97-AF65-F5344CB8AC3E}">
-        <p14:creationId xmlns="" xmlns:p14="http://schemas.microsoft.com/office/powerpoint/2010/main" val="3201300573"/>
+        <p14:creationId xmlns:p14="http://schemas.microsoft.com/office/powerpoint/2010/main" val="3201300573"/>
       </p:ext>
     </p:extLst>
   </p:cSld>
   <p:clrMapOvr>
     <a:masterClrMapping/>
   </p:clrMapOvr>
-  <p:timing>
-    <p:tnLst>
-      <p:par>
-        <p:cTn id="1" dur="indefinite" restart="never" nodeType="tmRoot"/>
-      </p:par>
-    </p:tnLst>
-  </p:timing>
 </p:sld>
 </file>
 
@@ -8720,7 +8660,7 @@
               </a:buClr>
             </a:pPr>
             <a:r>
-              <a:rPr lang="es-PE" sz="2000" dirty="0" smtClean="0"/>
+              <a:rPr lang="es-PE" sz="2000" dirty="0"/>
               <a:t>Gracias!</a:t>
             </a:r>
             <a:endParaRPr lang="es-PE" sz="1600" dirty="0"/>
@@ -8751,13 +8691,6 @@
   <p:clrMapOvr>
     <a:masterClrMapping/>
   </p:clrMapOvr>
-  <p:timing>
-    <p:tnLst>
-      <p:par>
-        <p:cTn id="1" dur="indefinite" restart="never" nodeType="tmRoot"/>
-      </p:par>
-    </p:tnLst>
-  </p:timing>
 </p:sld>
 </file>
 
@@ -8794,7 +8727,7 @@
           <a:lstStyle/>
           <a:p>
             <a:r>
-              <a:rPr lang="es-PE" dirty="0" smtClean="0"/>
+              <a:rPr lang="es-PE" dirty="0"/>
               <a:t>Objetivos de la Documentación:</a:t>
             </a:r>
           </a:p>
@@ -8817,56 +8750,56 @@
           <a:p>
             <a:pPr lvl="0"/>
             <a:r>
-              <a:rPr lang="es-PE" dirty="0" smtClean="0"/>
+              <a:rPr lang="es-PE" dirty="0"/>
               <a:t>Fácil de registrar</a:t>
             </a:r>
-            <a:endParaRPr lang="es-ES" dirty="0" smtClean="0"/>
+            <a:endParaRPr lang="es-ES" dirty="0"/>
           </a:p>
           <a:p>
             <a:pPr lvl="0"/>
             <a:r>
-              <a:rPr lang="es-PE" dirty="0" smtClean="0"/>
+              <a:rPr lang="es-PE" dirty="0"/>
               <a:t>Fácil de leer</a:t>
             </a:r>
-            <a:endParaRPr lang="es-ES" dirty="0" smtClean="0"/>
+            <a:endParaRPr lang="es-ES" dirty="0"/>
           </a:p>
           <a:p>
             <a:pPr lvl="0"/>
             <a:r>
-              <a:rPr lang="es-PE" dirty="0" smtClean="0"/>
+              <a:rPr lang="es-PE" dirty="0"/>
               <a:t>Fácil de modificar</a:t>
             </a:r>
-            <a:endParaRPr lang="es-ES" dirty="0" smtClean="0"/>
-          </a:p>
-          <a:p>
-            <a:endParaRPr lang="es-PE" dirty="0" smtClean="0"/>
-          </a:p>
-          <a:p>
-            <a:endParaRPr lang="es-ES" dirty="0" smtClean="0"/>
-          </a:p>
-          <a:p>
-            <a:pPr lvl="1"/>
-            <a:endParaRPr lang="es-PE" dirty="0" smtClean="0"/>
-          </a:p>
-          <a:p>
-            <a:pPr lvl="1"/>
-            <a:endParaRPr lang="es-PE" dirty="0" smtClean="0"/>
-          </a:p>
-          <a:p>
-            <a:pPr lvl="1"/>
-            <a:endParaRPr lang="es-PE" dirty="0" smtClean="0"/>
-          </a:p>
-          <a:p>
-            <a:pPr lvl="1"/>
-            <a:endParaRPr lang="es-PE" dirty="0" smtClean="0"/>
+            <a:endParaRPr lang="es-ES" dirty="0"/>
+          </a:p>
+          <a:p>
+            <a:endParaRPr lang="es-PE" dirty="0"/>
+          </a:p>
+          <a:p>
+            <a:endParaRPr lang="es-ES" dirty="0"/>
+          </a:p>
+          <a:p>
+            <a:pPr lvl="1"/>
+            <a:endParaRPr lang="es-PE" dirty="0"/>
+          </a:p>
+          <a:p>
+            <a:pPr lvl="1"/>
+            <a:endParaRPr lang="es-PE" dirty="0"/>
+          </a:p>
+          <a:p>
+            <a:pPr lvl="1"/>
+            <a:endParaRPr lang="es-PE" dirty="0"/>
+          </a:p>
+          <a:p>
+            <a:pPr lvl="1"/>
+            <a:endParaRPr lang="es-PE" dirty="0"/>
           </a:p>
           <a:p>
             <a:pPr lvl="2"/>
-            <a:endParaRPr lang="es-PE" dirty="0" smtClean="0"/>
-          </a:p>
-          <a:p>
-            <a:pPr lvl="1"/>
-            <a:endParaRPr lang="es-PE" dirty="0" smtClean="0"/>
+            <a:endParaRPr lang="es-PE" dirty="0"/>
+          </a:p>
+          <a:p>
+            <a:pPr lvl="1"/>
+            <a:endParaRPr lang="es-PE" dirty="0"/>
           </a:p>
           <a:p>
             <a:endParaRPr lang="es-PE" dirty="0"/>
@@ -8876,20 +8809,13 @@
     </p:spTree>
     <p:extLst>
       <p:ext uri="{BB962C8B-B14F-4D97-AF65-F5344CB8AC3E}">
-        <p14:creationId xmlns="" xmlns:p14="http://schemas.microsoft.com/office/powerpoint/2010/main" val="2332945952"/>
+        <p14:creationId xmlns:p14="http://schemas.microsoft.com/office/powerpoint/2010/main" val="2332945952"/>
       </p:ext>
     </p:extLst>
   </p:cSld>
   <p:clrMapOvr>
     <a:masterClrMapping/>
   </p:clrMapOvr>
-  <p:timing>
-    <p:tnLst>
-      <p:par>
-        <p:cTn id="1" dur="indefinite" restart="never" nodeType="tmRoot"/>
-      </p:par>
-    </p:tnLst>
-  </p:timing>
 </p:sld>
 </file>
 
@@ -8927,10 +8853,10 @@
           <a:p>
             <a:pPr lvl="0"/>
             <a:r>
-              <a:rPr lang="es-PE" dirty="0" smtClean="0"/>
+              <a:rPr lang="es-PE" dirty="0"/>
               <a:t>Fácil de registrar:</a:t>
             </a:r>
-            <a:endParaRPr lang="es-ES" dirty="0" smtClean="0"/>
+            <a:endParaRPr lang="es-ES" dirty="0"/>
           </a:p>
         </p:txBody>
       </p:sp>
@@ -8950,19 +8876,19 @@
           <a:lstStyle/>
           <a:p>
             <a:r>
-              <a:rPr lang="es-PE" dirty="0" smtClean="0"/>
+              <a:rPr lang="es-PE" dirty="0"/>
               <a:t>Uso de ayudas</a:t>
             </a:r>
           </a:p>
           <a:p>
             <a:r>
-              <a:rPr lang="es-PE" dirty="0" smtClean="0"/>
+              <a:rPr lang="es-PE" dirty="0"/>
               <a:t>Ubicación predeterminada</a:t>
             </a:r>
           </a:p>
           <a:p>
             <a:r>
-              <a:rPr lang="es-PE" dirty="0" smtClean="0"/>
+              <a:rPr lang="es-PE" dirty="0"/>
               <a:t>Una sola vez</a:t>
             </a:r>
             <a:endParaRPr lang="es-ES" dirty="0"/>
@@ -9004,20 +8930,13 @@
     </p:spTree>
     <p:extLst>
       <p:ext uri="{BB962C8B-B14F-4D97-AF65-F5344CB8AC3E}">
-        <p14:creationId xmlns="" xmlns:p14="http://schemas.microsoft.com/office/powerpoint/2010/main" val="2332945952"/>
+        <p14:creationId xmlns:p14="http://schemas.microsoft.com/office/powerpoint/2010/main" val="2332945952"/>
       </p:ext>
     </p:extLst>
   </p:cSld>
   <p:clrMapOvr>
     <a:masterClrMapping/>
   </p:clrMapOvr>
-  <p:timing>
-    <p:tnLst>
-      <p:par>
-        <p:cTn id="1" dur="indefinite" restart="never" nodeType="tmRoot"/>
-      </p:par>
-    </p:tnLst>
-  </p:timing>
 </p:sld>
 </file>
 
@@ -9055,10 +8974,10 @@
           <a:p>
             <a:pPr lvl="0"/>
             <a:r>
-              <a:rPr lang="es-PE" dirty="0" smtClean="0"/>
+              <a:rPr lang="es-PE" dirty="0"/>
               <a:t>Fácil de Leer:</a:t>
             </a:r>
-            <a:endParaRPr lang="es-ES" dirty="0" smtClean="0"/>
+            <a:endParaRPr lang="es-ES" dirty="0"/>
           </a:p>
         </p:txBody>
       </p:sp>
@@ -9080,77 +8999,69 @@
           <a:lstStyle/>
           <a:p>
             <a:r>
-              <a:rPr lang="es-PE" dirty="0" smtClean="0"/>
+              <a:rPr lang="es-PE" dirty="0"/>
               <a:t>Usar:</a:t>
             </a:r>
-            <a:endParaRPr lang="es-ES" dirty="0" smtClean="0"/>
-          </a:p>
-          <a:p>
-            <a:pPr lvl="1"/>
-            <a:r>
-              <a:rPr lang="es-PE" dirty="0" smtClean="0"/>
-              <a:t>Selección de Ideas Principales, </a:t>
-            </a:r>
-            <a:r>
-              <a:rPr lang="es-PE" dirty="0" smtClean="0"/>
-              <a:t>contenido </a:t>
-            </a:r>
-            <a:r>
-              <a:rPr lang="es-PE" dirty="0" smtClean="0"/>
-              <a:t>común para los usuarios</a:t>
-            </a:r>
-            <a:endParaRPr lang="es-ES" dirty="0" smtClean="0"/>
-          </a:p>
-          <a:p>
-            <a:pPr lvl="1"/>
-            <a:r>
-              <a:rPr lang="es-ES" dirty="0" smtClean="0"/>
+            <a:endParaRPr lang="es-ES" dirty="0"/>
+          </a:p>
+          <a:p>
+            <a:pPr lvl="1"/>
+            <a:r>
+              <a:rPr lang="es-PE" dirty="0"/>
+              <a:t>Selección de Ideas Principales, contenido común para los usuarios</a:t>
+            </a:r>
+            <a:endParaRPr lang="es-ES" dirty="0"/>
+          </a:p>
+          <a:p>
+            <a:pPr lvl="1"/>
+            <a:r>
+              <a:rPr lang="es-ES" dirty="0"/>
               <a:t>Frase corta, (una línea, sujeto más verbo más complementos)</a:t>
             </a:r>
           </a:p>
           <a:p>
             <a:pPr lvl="1"/>
             <a:r>
-              <a:rPr lang="es-PE" dirty="0" smtClean="0"/>
+              <a:rPr lang="es-PE" dirty="0"/>
               <a:t>Alinear a la izquierda, ordenar en secuencia lógica. </a:t>
             </a:r>
-            <a:endParaRPr lang="es-ES" dirty="0" smtClean="0"/>
-          </a:p>
-          <a:p>
-            <a:pPr lvl="1"/>
-            <a:endParaRPr lang="es-ES" dirty="0" smtClean="0"/>
-          </a:p>
-          <a:p>
-            <a:r>
-              <a:rPr lang="es-ES" dirty="0" smtClean="0"/>
+            <a:endParaRPr lang="es-ES" dirty="0"/>
+          </a:p>
+          <a:p>
+            <a:pPr lvl="1"/>
+            <a:endParaRPr lang="es-ES" dirty="0"/>
+          </a:p>
+          <a:p>
+            <a:r>
+              <a:rPr lang="es-ES" dirty="0"/>
               <a:t>Evitar:</a:t>
             </a:r>
           </a:p>
           <a:p>
             <a:pPr lvl="1"/>
             <a:r>
-              <a:rPr lang="es-ES" dirty="0" smtClean="0"/>
+              <a:rPr lang="es-ES" dirty="0"/>
               <a:t>Oraciones impersonales, pasivas, </a:t>
             </a:r>
           </a:p>
           <a:p>
             <a:pPr lvl="1"/>
             <a:r>
-              <a:rPr lang="es-ES" dirty="0" smtClean="0"/>
+              <a:rPr lang="es-ES" dirty="0"/>
               <a:t>El subjuntivo, signos poco habituales, tecnicismos y acrónimos</a:t>
             </a:r>
           </a:p>
           <a:p>
             <a:pPr lvl="1"/>
             <a:r>
-              <a:rPr lang="es-PE" dirty="0" smtClean="0"/>
+              <a:rPr lang="es-PE" dirty="0"/>
               <a:t>Asumir conocimiento previo</a:t>
             </a:r>
           </a:p>
           <a:p>
             <a:pPr lvl="1"/>
             <a:r>
-              <a:rPr lang="es-PE" dirty="0" smtClean="0"/>
+              <a:rPr lang="es-PE" dirty="0"/>
               <a:t>Imágenes poco claras, contrastes ilegibles.</a:t>
             </a:r>
             <a:endParaRPr lang="es-ES" dirty="0"/>
@@ -9160,20 +9071,13 @@
     </p:spTree>
     <p:extLst>
       <p:ext uri="{BB962C8B-B14F-4D97-AF65-F5344CB8AC3E}">
-        <p14:creationId xmlns="" xmlns:p14="http://schemas.microsoft.com/office/powerpoint/2010/main" val="2332945952"/>
+        <p14:creationId xmlns:p14="http://schemas.microsoft.com/office/powerpoint/2010/main" val="2332945952"/>
       </p:ext>
     </p:extLst>
   </p:cSld>
   <p:clrMapOvr>
     <a:masterClrMapping/>
   </p:clrMapOvr>
-  <p:timing>
-    <p:tnLst>
-      <p:par>
-        <p:cTn id="1" dur="indefinite" restart="never" nodeType="tmRoot"/>
-      </p:par>
-    </p:tnLst>
-  </p:timing>
 </p:sld>
 </file>
 
@@ -9211,10 +9115,10 @@
           <a:p>
             <a:pPr lvl="0"/>
             <a:r>
-              <a:rPr lang="es-PE" dirty="0" smtClean="0"/>
+              <a:rPr lang="es-PE" dirty="0"/>
               <a:t>Fácil de Leer – Ejemplos:</a:t>
             </a:r>
-            <a:endParaRPr lang="es-ES" dirty="0" smtClean="0"/>
+            <a:endParaRPr lang="es-ES" dirty="0"/>
           </a:p>
         </p:txBody>
       </p:sp>
@@ -9240,7 +9144,7 @@
               <a:buAutoNum type="arabicPeriod"/>
             </a:pPr>
             <a:r>
-              <a:rPr lang="es-ES" dirty="0" smtClean="0"/>
+              <a:rPr lang="es-ES" dirty="0"/>
               <a:t>El ahorrista se presenta al cajero automático</a:t>
             </a:r>
           </a:p>
@@ -9250,7 +9154,7 @@
               <a:buAutoNum type="arabicPeriod"/>
             </a:pPr>
             <a:r>
-              <a:rPr lang="es-ES" dirty="0" smtClean="0"/>
+              <a:rPr lang="es-ES" dirty="0"/>
               <a:t>El cajero solicita "ingrese número de cuenta y clave de usuario"</a:t>
             </a:r>
           </a:p>
@@ -9260,7 +9164,7 @@
               <a:buAutoNum type="arabicPeriod"/>
             </a:pPr>
             <a:r>
-              <a:rPr lang="es-ES" dirty="0" smtClean="0"/>
+              <a:rPr lang="es-ES" dirty="0"/>
               <a:t>El ahorrista ingresa un número de cuenta y la clave de usuario</a:t>
             </a:r>
           </a:p>
@@ -9270,7 +9174,7 @@
               <a:buAutoNum type="arabicPeriod"/>
             </a:pPr>
             <a:r>
-              <a:rPr lang="es-ES" dirty="0" smtClean="0"/>
+              <a:rPr lang="es-ES" dirty="0"/>
               <a:t>El cajero muestra las opciones y solicita "seleccione atención a realizar"</a:t>
             </a:r>
           </a:p>
@@ -9280,7 +9184,7 @@
               <a:buAutoNum type="arabicPeriod"/>
             </a:pPr>
             <a:r>
-              <a:rPr lang="es-ES" dirty="0" smtClean="0"/>
+              <a:rPr lang="es-ES" dirty="0"/>
               <a:t>El ahorrista selecciona la opción "retiro de cuenta" </a:t>
             </a:r>
           </a:p>
@@ -9290,7 +9194,7 @@
               <a:buAutoNum type="arabicPeriod"/>
             </a:pPr>
             <a:r>
-              <a:rPr lang="es-ES" dirty="0" smtClean="0"/>
+              <a:rPr lang="es-ES" dirty="0"/>
               <a:t>El cajero solicita "ingrese cantidad a retirar"</a:t>
             </a:r>
           </a:p>
@@ -9300,7 +9204,7 @@
               <a:buAutoNum type="arabicPeriod"/>
             </a:pPr>
             <a:r>
-              <a:rPr lang="es-ES" dirty="0" smtClean="0"/>
+              <a:rPr lang="es-ES" dirty="0"/>
               <a:t>El ahorrista ingresa la cantidad a retirar </a:t>
             </a:r>
           </a:p>
@@ -9310,7 +9214,7 @@
               <a:buAutoNum type="arabicPeriod"/>
             </a:pPr>
             <a:r>
-              <a:rPr lang="es-ES" dirty="0" smtClean="0"/>
+              <a:rPr lang="es-ES" dirty="0"/>
               <a:t>El cajero entrega el dinero y la boleta,</a:t>
             </a:r>
           </a:p>
@@ -9320,30 +9224,22 @@
               <a:buAutoNum type="arabicPeriod"/>
             </a:pPr>
             <a:r>
-              <a:rPr lang="es-ES" dirty="0" smtClean="0"/>
+              <a:rPr lang="es-ES" dirty="0"/>
               <a:t>El cajero responde "retire su dinero y boleta, hasta luego"</a:t>
             </a:r>
-            <a:endParaRPr lang="es-ES" dirty="0"/>
           </a:p>
         </p:txBody>
       </p:sp>
     </p:spTree>
     <p:extLst>
       <p:ext uri="{BB962C8B-B14F-4D97-AF65-F5344CB8AC3E}">
-        <p14:creationId xmlns="" xmlns:p14="http://schemas.microsoft.com/office/powerpoint/2010/main" val="2332945952"/>
+        <p14:creationId xmlns:p14="http://schemas.microsoft.com/office/powerpoint/2010/main" val="2332945952"/>
       </p:ext>
     </p:extLst>
   </p:cSld>
   <p:clrMapOvr>
     <a:masterClrMapping/>
   </p:clrMapOvr>
-  <p:timing>
-    <p:tnLst>
-      <p:par>
-        <p:cTn id="1" dur="indefinite" restart="never" nodeType="tmRoot"/>
-      </p:par>
-    </p:tnLst>
-  </p:timing>
 </p:sld>
 </file>
 
@@ -9380,7 +9276,7 @@
           <a:lstStyle/>
           <a:p>
             <a:r>
-              <a:rPr lang="es-PE" dirty="0" smtClean="0"/>
+              <a:rPr lang="es-PE" dirty="0"/>
               <a:t>Fácil de Leer – Ejemplos:</a:t>
             </a:r>
           </a:p>
@@ -9408,20 +9304,20 @@
               <a:buAutoNum type="arabicPeriod"/>
             </a:pPr>
             <a:r>
-              <a:rPr lang="es-PE" dirty="0" smtClean="0"/>
+              <a:rPr lang="es-PE" dirty="0"/>
               <a:t>Un cliente nuevo no puede realizar una orden de compra superior a 1000 soles</a:t>
             </a:r>
           </a:p>
           <a:p>
             <a:pPr marL="790575" lvl="1" indent="-342900"/>
             <a:r>
-              <a:rPr lang="es-PE" b="1" dirty="0" smtClean="0"/>
+              <a:rPr lang="es-PE" b="1" dirty="0"/>
               <a:t>La orden de compra de un cliente nuevo es menor o igual a 1000 soles</a:t>
             </a:r>
           </a:p>
           <a:p>
             <a:pPr marL="790575" lvl="1" indent="-342900"/>
-            <a:endParaRPr lang="es-PE" dirty="0" smtClean="0"/>
+            <a:endParaRPr lang="es-PE" dirty="0"/>
           </a:p>
           <a:p>
             <a:pPr marL="342900" indent="-342900">
@@ -9429,24 +9325,24 @@
               <a:buAutoNum type="arabicPeriod"/>
             </a:pPr>
             <a:r>
-              <a:rPr lang="es-PE" dirty="0" smtClean="0"/>
+              <a:rPr lang="es-PE" dirty="0"/>
               <a:t>No enviar órdenes a cliente que no hayan pagado la última </a:t>
             </a:r>
             <a:r>
-              <a:rPr lang="es-PE" b="1" dirty="0" smtClean="0"/>
+              <a:rPr lang="es-PE" b="1" dirty="0"/>
               <a:t>factura</a:t>
             </a:r>
           </a:p>
           <a:p>
             <a:pPr marL="790575" lvl="1" indent="-342900"/>
             <a:r>
-              <a:rPr lang="es-PE" b="1" dirty="0" smtClean="0"/>
+              <a:rPr lang="es-PE" b="1" dirty="0"/>
               <a:t>La orden se envía a clientes con última factura pagada.</a:t>
             </a:r>
           </a:p>
           <a:p>
             <a:pPr marL="790575" lvl="1" indent="-342900"/>
-            <a:endParaRPr lang="es-PE" dirty="0" smtClean="0"/>
+            <a:endParaRPr lang="es-PE" dirty="0"/>
           </a:p>
           <a:p>
             <a:pPr marL="342900" indent="-342900">
@@ -9454,11 +9350,11 @@
               <a:buAutoNum type="arabicPeriod"/>
             </a:pPr>
             <a:r>
-              <a:rPr lang="es-PE" dirty="0" smtClean="0"/>
+              <a:rPr lang="es-PE" dirty="0"/>
               <a:t>El total de una orden de compra es la suma de sus líneas – </a:t>
             </a:r>
             <a:r>
-              <a:rPr lang="es-PE" sz="2400" b="1" dirty="0" smtClean="0">
+              <a:rPr lang="es-PE" sz="2400" b="1" dirty="0">
                 <a:solidFill>
                   <a:srgbClr val="FF0000"/>
                 </a:solidFill>
@@ -9468,69 +9364,59 @@
           </a:p>
           <a:p>
             <a:r>
-              <a:rPr lang="es-PE" dirty="0" smtClean="0"/>
+              <a:rPr lang="es-PE" dirty="0"/>
               <a:t>Tener en cuenta todos los propósitos del contenido, </a:t>
             </a:r>
           </a:p>
           <a:p>
             <a:pPr lvl="1"/>
             <a:r>
-              <a:rPr lang="es-PE" dirty="0" smtClean="0"/>
+              <a:rPr lang="es-PE" dirty="0"/>
               <a:t>Los usuarios que van a leer </a:t>
             </a:r>
-            <a:endParaRPr lang="es-PE" dirty="0" smtClean="0"/>
-          </a:p>
-          <a:p>
-            <a:pPr lvl="1"/>
-            <a:r>
-              <a:rPr lang="es-PE" dirty="0" smtClean="0"/>
-              <a:t>el uso </a:t>
-            </a:r>
-            <a:r>
-              <a:rPr lang="es-PE" dirty="0" smtClean="0"/>
-              <a:t>inmediato del contenido</a:t>
-            </a:r>
-            <a:endParaRPr lang="es-PE" dirty="0" smtClean="0"/>
-          </a:p>
-          <a:p>
-            <a:pPr lvl="1"/>
-            <a:r>
-              <a:rPr lang="es-PE" dirty="0" smtClean="0"/>
-              <a:t>La forma del mensaje (positivo / negativo?, que es / como es</a:t>
-            </a:r>
-            <a:r>
-              <a:rPr lang="es-PE" dirty="0" smtClean="0"/>
-              <a:t>?, directo /indirecto?)</a:t>
-            </a:r>
-          </a:p>
-          <a:p>
-            <a:pPr lvl="1"/>
-            <a:endParaRPr lang="es-PE" dirty="0" smtClean="0"/>
-          </a:p>
-          <a:p>
-            <a:endParaRPr lang="es-PE" dirty="0" smtClean="0"/>
-          </a:p>
-          <a:p>
-            <a:endParaRPr lang="es-PE" dirty="0" smtClean="0"/>
-          </a:p>
-          <a:p>
-            <a:endParaRPr lang="es-PE" dirty="0" smtClean="0"/>
-          </a:p>
-          <a:p>
-            <a:pPr lvl="1"/>
-            <a:endParaRPr lang="es-PE" dirty="0" smtClean="0"/>
-          </a:p>
-          <a:p>
-            <a:pPr lvl="1"/>
-            <a:endParaRPr lang="es-PE" dirty="0" smtClean="0"/>
+          </a:p>
+          <a:p>
+            <a:pPr lvl="1"/>
+            <a:r>
+              <a:rPr lang="es-PE" dirty="0"/>
+              <a:t>el uso inmediato del contenido</a:t>
+            </a:r>
+          </a:p>
+          <a:p>
+            <a:pPr lvl="1"/>
+            <a:r>
+              <a:rPr lang="es-PE" dirty="0"/>
+              <a:t>La forma del mensaje (positivo / negativo?, que es / como es?, directo /indirecto?)</a:t>
+            </a:r>
+          </a:p>
+          <a:p>
+            <a:pPr lvl="1"/>
+            <a:endParaRPr lang="es-PE" dirty="0"/>
+          </a:p>
+          <a:p>
+            <a:endParaRPr lang="es-PE" dirty="0"/>
+          </a:p>
+          <a:p>
+            <a:endParaRPr lang="es-PE" dirty="0"/>
+          </a:p>
+          <a:p>
+            <a:endParaRPr lang="es-PE" dirty="0"/>
+          </a:p>
+          <a:p>
+            <a:pPr lvl="1"/>
+            <a:endParaRPr lang="es-PE" dirty="0"/>
+          </a:p>
+          <a:p>
+            <a:pPr lvl="1"/>
+            <a:endParaRPr lang="es-PE" dirty="0"/>
           </a:p>
           <a:p>
             <a:pPr lvl="2"/>
-            <a:endParaRPr lang="es-PE" dirty="0" smtClean="0"/>
-          </a:p>
-          <a:p>
-            <a:pPr lvl="1"/>
-            <a:endParaRPr lang="es-PE" dirty="0" smtClean="0"/>
+            <a:endParaRPr lang="es-PE" dirty="0"/>
+          </a:p>
+          <a:p>
+            <a:pPr lvl="1"/>
+            <a:endParaRPr lang="es-PE" dirty="0"/>
           </a:p>
           <a:p>
             <a:endParaRPr lang="es-PE" dirty="0"/>
@@ -9540,20 +9426,13 @@
     </p:spTree>
     <p:extLst>
       <p:ext uri="{BB962C8B-B14F-4D97-AF65-F5344CB8AC3E}">
-        <p14:creationId xmlns="" xmlns:p14="http://schemas.microsoft.com/office/powerpoint/2010/main" val="2332945952"/>
+        <p14:creationId xmlns:p14="http://schemas.microsoft.com/office/powerpoint/2010/main" val="2332945952"/>
       </p:ext>
     </p:extLst>
   </p:cSld>
   <p:clrMapOvr>
     <a:masterClrMapping/>
   </p:clrMapOvr>
-  <p:timing>
-    <p:tnLst>
-      <p:par>
-        <p:cTn id="1" dur="indefinite" restart="never" nodeType="tmRoot"/>
-      </p:par>
-    </p:tnLst>
-  </p:timing>
 </p:sld>
 </file>
 
@@ -9591,10 +9470,10 @@
           <a:p>
             <a:pPr lvl="0"/>
             <a:r>
-              <a:rPr lang="es-PE" dirty="0" smtClean="0"/>
+              <a:rPr lang="es-PE" dirty="0"/>
               <a:t>Fácil de Modificar:</a:t>
             </a:r>
-            <a:endParaRPr lang="es-ES" dirty="0" smtClean="0"/>
+            <a:endParaRPr lang="es-ES" dirty="0"/>
           </a:p>
         </p:txBody>
       </p:sp>
@@ -9616,91 +9495,80 @@
           <a:lstStyle/>
           <a:p>
             <a:r>
-              <a:rPr lang="es-PE" dirty="0" smtClean="0"/>
+              <a:rPr lang="es-PE" dirty="0"/>
               <a:t>Documento fácil de registrar y fácil  de leer</a:t>
             </a:r>
           </a:p>
           <a:p>
             <a:r>
-              <a:rPr lang="es-PE" dirty="0" smtClean="0"/>
+              <a:rPr lang="es-PE" dirty="0"/>
               <a:t>Control de Cambios</a:t>
             </a:r>
           </a:p>
           <a:p>
             <a:pPr lvl="1"/>
             <a:r>
-              <a:rPr lang="es-PE" dirty="0" smtClean="0"/>
+              <a:rPr lang="es-PE" dirty="0"/>
               <a:t>Quien, cuando, que, donde</a:t>
             </a:r>
           </a:p>
           <a:p>
             <a:pPr lvl="1"/>
-            <a:endParaRPr lang="es-PE" dirty="0" smtClean="0"/>
-          </a:p>
-          <a:p>
-            <a:r>
-              <a:rPr lang="es-PE" dirty="0" smtClean="0"/>
+            <a:endParaRPr lang="es-PE" dirty="0"/>
+          </a:p>
+          <a:p>
+            <a:r>
+              <a:rPr lang="es-PE" dirty="0"/>
               <a:t>Control de Versiones</a:t>
             </a:r>
           </a:p>
           <a:p>
             <a:pPr lvl="1"/>
             <a:r>
-              <a:rPr lang="es-PE" dirty="0" smtClean="0"/>
+              <a:rPr lang="es-PE" dirty="0"/>
               <a:t>Guardar la versión actual, Generar la versión Nueva</a:t>
             </a:r>
           </a:p>
           <a:p>
             <a:pPr lvl="1"/>
-            <a:endParaRPr lang="es-PE" dirty="0" smtClean="0"/>
-          </a:p>
-          <a:p>
-            <a:r>
-              <a:rPr lang="es-PE" dirty="0" smtClean="0"/>
-              <a:t>Comunicación a los </a:t>
-            </a:r>
-            <a:r>
-              <a:rPr lang="es-PE" dirty="0" smtClean="0"/>
-              <a:t>Interesados</a:t>
-            </a:r>
-          </a:p>
-          <a:p>
-            <a:pPr lvl="1"/>
-            <a:endParaRPr lang="es-PE" dirty="0" smtClean="0"/>
-          </a:p>
-          <a:p>
-            <a:pPr lvl="1"/>
-            <a:endParaRPr lang="es-PE" dirty="0" smtClean="0"/>
-          </a:p>
-          <a:p>
-            <a:pPr lvl="1"/>
-            <a:endParaRPr lang="es-ES" dirty="0" smtClean="0"/>
+            <a:endParaRPr lang="es-PE" dirty="0"/>
+          </a:p>
+          <a:p>
+            <a:r>
+              <a:rPr lang="es-PE" dirty="0"/>
+              <a:t>Comunicación a los Interesados</a:t>
+            </a:r>
+          </a:p>
+          <a:p>
+            <a:pPr lvl="1"/>
+            <a:endParaRPr lang="es-PE" dirty="0"/>
+          </a:p>
+          <a:p>
+            <a:pPr lvl="1"/>
+            <a:endParaRPr lang="es-PE" dirty="0"/>
+          </a:p>
+          <a:p>
+            <a:pPr lvl="1"/>
+            <a:endParaRPr lang="es-ES" dirty="0"/>
           </a:p>
           <a:p>
             <a:pPr>
               <a:buNone/>
             </a:pPr>
-            <a:endParaRPr lang="es-ES" dirty="0" smtClean="0"/>
+            <a:endParaRPr lang="es-ES" dirty="0"/>
           </a:p>
         </p:txBody>
       </p:sp>
     </p:spTree>
     <p:extLst>
       <p:ext uri="{BB962C8B-B14F-4D97-AF65-F5344CB8AC3E}">
-        <p14:creationId xmlns="" xmlns:p14="http://schemas.microsoft.com/office/powerpoint/2010/main" val="2332945952"/>
+        <p14:creationId xmlns:p14="http://schemas.microsoft.com/office/powerpoint/2010/main" val="2332945952"/>
       </p:ext>
     </p:extLst>
   </p:cSld>
   <p:clrMapOvr>
     <a:masterClrMapping/>
   </p:clrMapOvr>
-  <p:timing>
-    <p:tnLst>
-      <p:par>
-        <p:cTn id="1" dur="indefinite" restart="never" nodeType="tmRoot"/>
-      </p:par>
-    </p:tnLst>
-  </p:timing>
 </p:sld>
 </file>
 
@@ -9738,10 +9606,10 @@
           <a:p>
             <a:pPr lvl="0"/>
             <a:r>
-              <a:rPr lang="es-PE" dirty="0" smtClean="0"/>
+              <a:rPr lang="es-PE" dirty="0"/>
               <a:t>Fácil de Modificar - ejemplo:</a:t>
             </a:r>
-            <a:endParaRPr lang="es-ES" dirty="0" smtClean="0"/>
+            <a:endParaRPr lang="es-ES" dirty="0"/>
           </a:p>
         </p:txBody>
       </p:sp>
@@ -9763,17 +9631,17 @@
           <a:lstStyle/>
           <a:p>
             <a:pPr lvl="1"/>
-            <a:endParaRPr lang="es-PE" dirty="0" smtClean="0"/>
-          </a:p>
-          <a:p>
-            <a:pPr lvl="1"/>
-            <a:endParaRPr lang="es-ES" dirty="0" smtClean="0"/>
+            <a:endParaRPr lang="es-PE" dirty="0"/>
+          </a:p>
+          <a:p>
+            <a:pPr lvl="1"/>
+            <a:endParaRPr lang="es-ES" dirty="0"/>
           </a:p>
           <a:p>
             <a:pPr>
               <a:buNone/>
             </a:pPr>
-            <a:endParaRPr lang="es-ES" dirty="0" smtClean="0"/>
+            <a:endParaRPr lang="es-ES" dirty="0"/>
           </a:p>
         </p:txBody>
       </p:sp>
@@ -9833,7 +9701,7 @@
               <a:tabLst/>
             </a:pPr>
             <a:r>
-              <a:rPr kumimoji="0" lang="es-ES_tradnl" sz="1600" b="1" i="0" u="none" strike="noStrike" cap="none" normalizeH="0" baseline="0" dirty="0" smtClean="0">
+              <a:rPr kumimoji="0" lang="es-ES_tradnl" sz="1600" b="1" i="0" u="none" strike="noStrike" cap="none" normalizeH="0" baseline="0" dirty="0">
                 <a:ln>
                   <a:noFill/>
                 </a:ln>
@@ -9865,7 +9733,7 @@
               <a:tabLst/>
             </a:pPr>
             <a:r>
-              <a:rPr kumimoji="0" lang="es-ES_tradnl" sz="1600" b="1" i="0" u="none" strike="noStrike" cap="none" normalizeH="0" baseline="0" dirty="0" smtClean="0">
+              <a:rPr kumimoji="0" lang="es-ES_tradnl" sz="1600" b="1" i="0" u="none" strike="noStrike" cap="none" normalizeH="0" baseline="0" dirty="0">
                 <a:ln>
                   <a:noFill/>
                 </a:ln>
@@ -9897,7 +9765,7 @@
               <a:tabLst/>
             </a:pPr>
             <a:r>
-              <a:rPr kumimoji="0" lang="es-ES_tradnl" sz="1600" b="1" i="0" u="none" strike="noStrike" cap="none" normalizeH="0" baseline="0" dirty="0" smtClean="0">
+              <a:rPr kumimoji="0" lang="es-ES_tradnl" sz="1600" b="1" i="0" u="none" strike="noStrike" cap="none" normalizeH="0" baseline="0" dirty="0">
                 <a:ln>
                   <a:noFill/>
                 </a:ln>
@@ -9911,7 +9779,7 @@
               <a:t>  </a:t>
             </a:r>
             <a:r>
-              <a:rPr kumimoji="0" lang="es-ES" sz="1600" b="1" i="0" u="none" strike="noStrike" cap="none" normalizeH="0" baseline="0" dirty="0" smtClean="0">
+              <a:rPr kumimoji="0" lang="es-ES" sz="1600" b="1" i="0" u="none" strike="noStrike" cap="none" normalizeH="0" baseline="0" dirty="0">
                 <a:ln>
                   <a:noFill/>
                 </a:ln>
@@ -9924,7 +9792,7 @@
               </a:rPr>
               <a:t>Módulo: 320114 – RENOVACIÓN DE LA INSCRIPCIÓN</a:t>
             </a:r>
-            <a:endParaRPr kumimoji="0" lang="es-ES_tradnl" sz="1400" b="0" i="0" u="none" strike="noStrike" cap="none" normalizeH="0" baseline="0" dirty="0" smtClean="0">
+            <a:endParaRPr kumimoji="0" lang="es-ES_tradnl" sz="1400" b="0" i="0" u="none" strike="noStrike" cap="none" normalizeH="0" baseline="0" dirty="0">
               <a:ln>
                 <a:noFill/>
               </a:ln>
@@ -9953,7 +9821,7 @@
               <a:buNone/>
               <a:tabLst/>
             </a:pPr>
-            <a:endParaRPr kumimoji="0" lang="es-ES" sz="1800" b="0" i="0" u="none" strike="noStrike" cap="none" normalizeH="0" baseline="0" dirty="0" smtClean="0">
+            <a:endParaRPr kumimoji="0" lang="es-ES" sz="1800" b="0" i="0" u="none" strike="noStrike" cap="none" normalizeH="0" baseline="0" dirty="0">
               <a:ln>
                 <a:noFill/>
               </a:ln>
@@ -10018,7 +9886,7 @@
               <a:tabLst/>
             </a:pPr>
             <a:r>
-              <a:rPr kumimoji="0" lang="es-ES" sz="1600" b="1" i="0" u="none" strike="noStrike" cap="none" normalizeH="0" baseline="0" dirty="0" smtClean="0">
+              <a:rPr kumimoji="0" lang="es-ES" sz="1600" b="1" i="0" u="none" strike="noStrike" cap="none" normalizeH="0" baseline="0" dirty="0">
                 <a:ln>
                   <a:noFill/>
                 </a:ln>
@@ -10030,7 +9898,7 @@
               <a:t>Informe de Definición </a:t>
             </a:r>
             <a:r>
-              <a:rPr kumimoji="0" lang="es-ES" sz="1200" b="1" i="0" u="none" strike="noStrike" cap="none" normalizeH="0" baseline="0" dirty="0" smtClean="0">
+              <a:rPr kumimoji="0" lang="es-ES" sz="1200" b="1" i="0" u="none" strike="noStrike" cap="none" normalizeH="0" baseline="0" dirty="0">
                 <a:ln>
                   <a:noFill/>
                 </a:ln>
@@ -10041,7 +9909,7 @@
               </a:rPr>
               <a:t>Versión 0.5</a:t>
             </a:r>
-            <a:endParaRPr kumimoji="0" lang="es-ES" sz="1800" b="0" i="0" u="none" strike="noStrike" cap="none" normalizeH="0" baseline="0" dirty="0" smtClean="0">
+            <a:endParaRPr kumimoji="0" lang="es-ES" sz="1800" b="0" i="0" u="none" strike="noStrike" cap="none" normalizeH="0" baseline="0" dirty="0">
               <a:ln>
                 <a:noFill/>
               </a:ln>
@@ -10119,20 +9987,13 @@
     </p:spTree>
     <p:extLst>
       <p:ext uri="{BB962C8B-B14F-4D97-AF65-F5344CB8AC3E}">
-        <p14:creationId xmlns="" xmlns:p14="http://schemas.microsoft.com/office/powerpoint/2010/main" val="2332945952"/>
+        <p14:creationId xmlns:p14="http://schemas.microsoft.com/office/powerpoint/2010/main" val="2332945952"/>
       </p:ext>
     </p:extLst>
   </p:cSld>
   <p:clrMapOvr>
     <a:masterClrMapping/>
   </p:clrMapOvr>
-  <p:timing>
-    <p:tnLst>
-      <p:par>
-        <p:cTn id="1" dur="indefinite" restart="never" nodeType="tmRoot"/>
-      </p:par>
-    </p:tnLst>
-  </p:timing>
 </p:sld>
 </file>
 
@@ -10680,18 +10541,18 @@
 </file>
 
 <file path=customXml/item1.xml><?xml version="1.0" encoding="utf-8"?>
-<p:properties xmlns:p="http://schemas.microsoft.com/office/2006/metadata/properties" xmlns:xsi="http://www.w3.org/2001/XMLSchema-instance">
-  <documentManagement/>
-</p:properties>
-</file>
-
-<file path=customXml/item2.xml><?xml version="1.0" encoding="utf-8"?>
 <?mso-contentType ?>
 <FormTemplates xmlns="http://schemas.microsoft.com/sharepoint/v3/contenttype/forms">
   <Display>DocumentLibraryForm</Display>
   <Edit>DocumentLibraryForm</Edit>
   <New>DocumentLibraryForm</New>
 </FormTemplates>
+</file>
+
+<file path=customXml/item2.xml><?xml version="1.0" encoding="utf-8"?>
+<p:properties xmlns:p="http://schemas.microsoft.com/office/2006/metadata/properties" xmlns:xsi="http://www.w3.org/2001/XMLSchema-instance">
+  <documentManagement/>
+</p:properties>
 </file>
 
 <file path=customXml/item3.xml><?xml version="1.0" encoding="utf-8"?>
@@ -10744,6 +10605,14 @@
 </file>
 
 <file path=customXml/itemProps1.xml><?xml version="1.0" encoding="utf-8"?>
+<ds:datastoreItem xmlns:ds="http://schemas.openxmlformats.org/officeDocument/2006/customXml" ds:itemID="{F9790E25-1A69-47E0-8843-B8D7D53C4899}">
+  <ds:schemaRefs>
+    <ds:schemaRef ds:uri="http://schemas.microsoft.com/sharepoint/v3/contenttype/forms"/>
+  </ds:schemaRefs>
+</ds:datastoreItem>
+</file>
+
+<file path=customXml/itemProps2.xml><?xml version="1.0" encoding="utf-8"?>
 <ds:datastoreItem xmlns:ds="http://schemas.openxmlformats.org/officeDocument/2006/customXml" ds:itemID="{C7ED7C54-85C9-4AC0-AD98-FC542214DBAB}">
   <ds:schemaRefs>
     <ds:schemaRef ds:uri="http://schemas.microsoft.com/office/2006/documentManagement/types"/>
@@ -10753,14 +10622,6 @@
     <ds:schemaRef ds:uri="http://purl.org/dc/dcmitype/"/>
     <ds:schemaRef ds:uri="http://schemas.openxmlformats.org/package/2006/metadata/core-properties"/>
     <ds:schemaRef ds:uri="http://www.w3.org/XML/1998/namespace"/>
-  </ds:schemaRefs>
-</ds:datastoreItem>
-</file>
-
-<file path=customXml/itemProps2.xml><?xml version="1.0" encoding="utf-8"?>
-<ds:datastoreItem xmlns:ds="http://schemas.openxmlformats.org/officeDocument/2006/customXml" ds:itemID="{F9790E25-1A69-47E0-8843-B8D7D53C4899}">
-  <ds:schemaRefs>
-    <ds:schemaRef ds:uri="http://schemas.microsoft.com/sharepoint/v3/contenttype/forms"/>
   </ds:schemaRefs>
 </ds:datastoreItem>
 </file>

--- a/procesos/InsiDesarrolloSistemas2019.pptx
+++ b/procesos/InsiDesarrolloSistemas2019.pptx
@@ -8229,7 +8229,7 @@
         <p:spPr/>
         <p:txBody>
           <a:bodyPr>
-            <a:normAutofit lnSpcReduction="10000"/>
+            <a:normAutofit fontScale="92500" lnSpcReduction="10000"/>
           </a:bodyPr>
           <a:lstStyle/>
           <a:p>
@@ -8255,7 +8255,7 @@
             <a:pPr lvl="2"/>
             <a:r>
               <a:rPr lang="es-PE" dirty="0"/>
-              <a:t>La implementación va a ser para uso interno o para usuarios externos? Es necesario que el sistema trabaje 24*7?</a:t>
+              <a:t>La implementación va a ser para uso interno o para usuarios externos? El objetivo es automatizar un proceso o explotar información? Se requiere acceso trabaje 24*7?</a:t>
             </a:r>
           </a:p>
           <a:p>
@@ -8269,7 +8269,7 @@
             <a:pPr lvl="2"/>
             <a:r>
               <a:rPr lang="es-PE" dirty="0"/>
-              <a:t>Cuantos usuarios van a acceder al sistema diariamente? Cuantos usuarios van a acceder al mismo tiempo? (concurrencia) Existe información común a </a:t>
+              <a:t>Cuantos usuarios van a acceder al sistema diariamente? Cual es el numero máximo de usuarios al mismo tiempo? (concurrencia) Existe información común a </a:t>
             </a:r>
             <a:r>
               <a:rPr lang="es-PE" dirty="0" err="1"/>

--- a/procesos/InsiDesarrolloSistemas2019.pptx
+++ b/procesos/InsiDesarrolloSistemas2019.pptx
@@ -231,7 +231,7 @@
             <a:fld id="{FF689DF1-2F30-41B2-B41C-37E7BEE505EF}" type="datetimeFigureOut">
               <a:rPr lang="en-US" smtClean="0"/>
               <a:pPr/>
-              <a:t>2/17/2019</a:t>
+              <a:t>2/24/2019</a:t>
             </a:fld>
             <a:endParaRPr lang="en-US"/>
           </a:p>
@@ -2723,7 +2723,7 @@
             <a:fld id="{A5B4932B-C33C-584E-9877-A571BA3F4CA2}" type="datetimeFigureOut">
               <a:rPr lang="es-ES" smtClean="0"/>
               <a:pPr/>
-              <a:t>17/02/2019</a:t>
+              <a:t>24/02/2019</a:t>
             </a:fld>
             <a:endParaRPr lang="es-ES"/>
           </a:p>
@@ -2919,7 +2919,7 @@
             <a:fld id="{A5B4932B-C33C-584E-9877-A571BA3F4CA2}" type="datetimeFigureOut">
               <a:rPr lang="es-ES" smtClean="0"/>
               <a:pPr/>
-              <a:t>17/02/2019</a:t>
+              <a:t>24/02/2019</a:t>
             </a:fld>
             <a:endParaRPr lang="es-ES"/>
           </a:p>
@@ -3125,7 +3125,7 @@
             <a:fld id="{A5B4932B-C33C-584E-9877-A571BA3F4CA2}" type="datetimeFigureOut">
               <a:rPr lang="es-ES" smtClean="0"/>
               <a:pPr/>
-              <a:t>17/02/2019</a:t>
+              <a:t>24/02/2019</a:t>
             </a:fld>
             <a:endParaRPr lang="es-ES"/>
           </a:p>
@@ -3345,7 +3345,7 @@
             <a:fld id="{A5B4932B-C33C-584E-9877-A571BA3F4CA2}" type="datetimeFigureOut">
               <a:rPr lang="es-ES" smtClean="0"/>
               <a:pPr/>
-              <a:t>17/02/2019</a:t>
+              <a:t>24/02/2019</a:t>
             </a:fld>
             <a:endParaRPr lang="es-ES"/>
           </a:p>
@@ -3617,7 +3617,7 @@
             <a:fld id="{A5B4932B-C33C-584E-9877-A571BA3F4CA2}" type="datetimeFigureOut">
               <a:rPr lang="es-ES" smtClean="0"/>
               <a:pPr/>
-              <a:t>17/02/2019</a:t>
+              <a:t>24/02/2019</a:t>
             </a:fld>
             <a:endParaRPr lang="es-ES"/>
           </a:p>
@@ -3931,7 +3931,7 @@
             <a:fld id="{A5B4932B-C33C-584E-9877-A571BA3F4CA2}" type="datetimeFigureOut">
               <a:rPr lang="es-ES" smtClean="0"/>
               <a:pPr/>
-              <a:t>17/02/2019</a:t>
+              <a:t>24/02/2019</a:t>
             </a:fld>
             <a:endParaRPr lang="es-ES"/>
           </a:p>
@@ -4379,7 +4379,7 @@
             <a:fld id="{A5B4932B-C33C-584E-9877-A571BA3F4CA2}" type="datetimeFigureOut">
               <a:rPr lang="es-ES" smtClean="0"/>
               <a:pPr/>
-              <a:t>17/02/2019</a:t>
+              <a:t>24/02/2019</a:t>
             </a:fld>
             <a:endParaRPr lang="es-ES"/>
           </a:p>
@@ -4500,7 +4500,7 @@
             <a:fld id="{A5B4932B-C33C-584E-9877-A571BA3F4CA2}" type="datetimeFigureOut">
               <a:rPr lang="es-ES" smtClean="0"/>
               <a:pPr/>
-              <a:t>17/02/2019</a:t>
+              <a:t>24/02/2019</a:t>
             </a:fld>
             <a:endParaRPr lang="es-ES"/>
           </a:p>
@@ -4644,7 +4644,7 @@
             <a:fld id="{A5B4932B-C33C-584E-9877-A571BA3F4CA2}" type="datetimeFigureOut">
               <a:rPr lang="es-ES" smtClean="0"/>
               <a:pPr/>
-              <a:t>17/02/2019</a:t>
+              <a:t>24/02/2019</a:t>
             </a:fld>
             <a:endParaRPr lang="es-ES"/>
           </a:p>
@@ -4947,7 +4947,7 @@
             <a:fld id="{A5B4932B-C33C-584E-9877-A571BA3F4CA2}" type="datetimeFigureOut">
               <a:rPr lang="es-ES" smtClean="0"/>
               <a:pPr/>
-              <a:t>17/02/2019</a:t>
+              <a:t>24/02/2019</a:t>
             </a:fld>
             <a:endParaRPr lang="es-ES"/>
           </a:p>
@@ -5226,7 +5226,7 @@
             <a:fld id="{A5B4932B-C33C-584E-9877-A571BA3F4CA2}" type="datetimeFigureOut">
               <a:rPr lang="es-ES" smtClean="0"/>
               <a:pPr/>
-              <a:t>17/02/2019</a:t>
+              <a:t>24/02/2019</a:t>
             </a:fld>
             <a:endParaRPr lang="es-ES"/>
           </a:p>
@@ -8086,7 +8086,9 @@
         </p:nvSpPr>
         <p:spPr/>
         <p:txBody>
-          <a:bodyPr/>
+          <a:bodyPr>
+            <a:normAutofit fontScale="92500" lnSpcReduction="20000"/>
+          </a:bodyPr>
           <a:lstStyle/>
           <a:p>
             <a:r>
@@ -8102,6 +8104,13 @@
             </a:r>
           </a:p>
           <a:p>
+            <a:pPr lvl="2"/>
+            <a:r>
+              <a:rPr lang="es-PE" dirty="0"/>
+              <a:t>Cuantos documentos va a tener cada declaración? Cuantos detalles van a tener dichos documentos? Vamos a trabajar con archivos multimedia?</a:t>
+            </a:r>
+          </a:p>
+          <a:p>
             <a:pPr lvl="1"/>
             <a:r>
               <a:rPr lang="es-PE" dirty="0"/>
@@ -8109,6 +8118,13 @@
             </a:r>
           </a:p>
           <a:p>
+            <a:pPr lvl="2"/>
+            <a:r>
+              <a:rPr lang="es-PE" dirty="0"/>
+              <a:t>Cuantas declaraciones vamos a tener al mes? Se requiere que la implementación trabaje 24*7?</a:t>
+            </a:r>
+          </a:p>
+          <a:p>
             <a:pPr lvl="1"/>
             <a:r>
               <a:rPr lang="es-PE" dirty="0"/>
@@ -8116,6 +8132,29 @@
             </a:r>
           </a:p>
           <a:p>
+            <a:pPr lvl="2"/>
+            <a:r>
+              <a:rPr lang="es-PE" dirty="0"/>
+              <a:t>La </a:t>
+            </a:r>
+            <a:r>
+              <a:rPr lang="es-PE" dirty="0" err="1"/>
+              <a:t>implemntación</a:t>
+            </a:r>
+            <a:r>
+              <a:rPr lang="es-PE" dirty="0"/>
+              <a:t> va a ser usada por usuarios internos o para usuarios externos? (ejem: contribuyentes, </a:t>
+            </a:r>
+            <a:r>
+              <a:rPr lang="es-PE" dirty="0" err="1"/>
+              <a:t>iqbf</a:t>
+            </a:r>
+            <a:r>
+              <a:rPr lang="es-PE" dirty="0"/>
+              <a:t>, operadores aduaneros)</a:t>
+            </a:r>
+          </a:p>
+          <a:p>
             <a:pPr lvl="1"/>
             <a:r>
               <a:rPr lang="es-PE" dirty="0"/>
@@ -8123,6 +8162,13 @@
             </a:r>
           </a:p>
           <a:p>
+            <a:pPr lvl="2"/>
+            <a:r>
+              <a:rPr lang="es-PE" dirty="0"/>
+              <a:t>Cuantos usuarios van a acceder al sistema diariamente? Cual es el numero máximo de usuarios al mismo tiempo? Nota: Repetir las preguntas para los distintos tipos de usuario</a:t>
+            </a:r>
+          </a:p>
+          <a:p>
             <a:pPr lvl="1"/>
             <a:r>
               <a:rPr lang="es-PE" dirty="0"/>
@@ -8130,6 +8176,13 @@
             </a:r>
           </a:p>
           <a:p>
+            <a:pPr lvl="2"/>
+            <a:r>
+              <a:rPr lang="es-PE" dirty="0"/>
+              <a:t>Cuanto es el máximo tiempo de espera luego de una acción del usuario que debe tener la implementación?</a:t>
+            </a:r>
+          </a:p>
+          <a:p>
             <a:pPr lvl="1"/>
             <a:r>
               <a:rPr lang="es-PE" dirty="0"/>
@@ -8137,10 +8190,39 @@
             </a:r>
           </a:p>
           <a:p>
+            <a:pPr lvl="2"/>
+            <a:r>
+              <a:rPr lang="es-PE" dirty="0"/>
+              <a:t>Estamos tratando con información sensible o confidencial? En que dispositivos va a funcionar la implementación?</a:t>
+            </a:r>
+          </a:p>
+          <a:p>
             <a:pPr lvl="1"/>
             <a:r>
               <a:rPr lang="es-PE" dirty="0"/>
               <a:t>Ubicación geográfica de usuarios</a:t>
+            </a:r>
+          </a:p>
+          <a:p>
+            <a:pPr lvl="2"/>
+            <a:r>
+              <a:rPr lang="es-PE" dirty="0"/>
+              <a:t>Los usuarios son nacionales o internacionales?  Existen usuarios en zonas donde la internet no esta disponible 24*7 (ejem: </a:t>
+            </a:r>
+            <a:r>
+              <a:rPr lang="es-PE" dirty="0" err="1"/>
+              <a:t>iquitos</a:t>
+            </a:r>
+            <a:r>
+              <a:rPr lang="es-PE" dirty="0"/>
+              <a:t>)</a:t>
+            </a:r>
+          </a:p>
+          <a:p>
+            <a:pPr lvl="2"/>
+            <a:r>
+              <a:rPr lang="es-PE" dirty="0"/>
+              <a:t>Existe alguna normatividad nacional, regional o local a considerar?</a:t>
             </a:r>
           </a:p>
           <a:p>
@@ -8229,7 +8311,7 @@
         <p:spPr/>
         <p:txBody>
           <a:bodyPr>
-            <a:normAutofit fontScale="92500" lnSpcReduction="10000"/>
+            <a:normAutofit/>
           </a:bodyPr>
           <a:lstStyle/>
           <a:p>
@@ -8252,43 +8334,29 @@
             </a:r>
           </a:p>
           <a:p>
+            <a:pPr lvl="1"/>
+            <a:endParaRPr lang="es-PE" dirty="0"/>
+          </a:p>
+          <a:p>
+            <a:pPr lvl="1"/>
+            <a:r>
+              <a:rPr lang="es-PE" dirty="0"/>
+              <a:t>El tipo de arquitectura</a:t>
+            </a:r>
+          </a:p>
+          <a:p>
+            <a:pPr lvl="1"/>
+            <a:endParaRPr lang="es-PE" dirty="0"/>
+          </a:p>
+          <a:p>
+            <a:pPr lvl="1"/>
+            <a:r>
+              <a:rPr lang="es-PE" dirty="0"/>
+              <a:t>El tipo de programación</a:t>
+            </a:r>
+          </a:p>
+          <a:p>
             <a:pPr lvl="2"/>
-            <a:r>
-              <a:rPr lang="es-PE" dirty="0"/>
-              <a:t>La implementación va a ser para uso interno o para usuarios externos? El objetivo es automatizar un proceso o explotar información? Se requiere acceso trabaje 24*7?</a:t>
-            </a:r>
-          </a:p>
-          <a:p>
-            <a:pPr lvl="1"/>
-            <a:r>
-              <a:rPr lang="es-PE" dirty="0"/>
-              <a:t>El tipo de arquitectura</a:t>
-            </a:r>
-          </a:p>
-          <a:p>
-            <a:pPr lvl="2"/>
-            <a:r>
-              <a:rPr lang="es-PE" dirty="0"/>
-              <a:t>Cuantos usuarios van a acceder al sistema diariamente? Cual es el numero máximo de usuarios al mismo tiempo? (concurrencia) Existe información común a </a:t>
-            </a:r>
-            <a:r>
-              <a:rPr lang="es-PE" dirty="0" err="1"/>
-              <a:t>accesar</a:t>
-            </a:r>
-            <a:r>
-              <a:rPr lang="es-PE" dirty="0"/>
-              <a:t> o modificar en diversas actividades del proceso? (servicios)</a:t>
-            </a:r>
-          </a:p>
-          <a:p>
-            <a:pPr lvl="1"/>
-            <a:r>
-              <a:rPr lang="es-PE" dirty="0"/>
-              <a:t>El tipo de programación</a:t>
-            </a:r>
-          </a:p>
-          <a:p>
-            <a:pPr lvl="2"/>
             <a:endParaRPr lang="es-PE" dirty="0"/>
           </a:p>
           <a:p>
@@ -8299,40 +8367,14 @@
             </a:r>
           </a:p>
           <a:p>
-            <a:pPr lvl="2"/>
-            <a:r>
-              <a:rPr lang="es-PE" dirty="0"/>
-              <a:t>Cuantas declaraciones vamos a tener al mes? Cuantos documentos va a tener cada declaración? Cuantos detalles van a tener dichos documentos? Vamos a trabajar con archivos multimedia?</a:t>
-            </a:r>
+            <a:pPr lvl="1"/>
+            <a:endParaRPr lang="es-PE" dirty="0"/>
           </a:p>
           <a:p>
             <a:pPr lvl="1"/>
             <a:r>
               <a:rPr lang="es-PE" dirty="0"/>
               <a:t>El diseño de la interfaz de usuario</a:t>
-            </a:r>
-          </a:p>
-          <a:p>
-            <a:pPr lvl="2"/>
-            <a:r>
-              <a:rPr lang="es-PE" dirty="0"/>
-              <a:t>La implementación va a ser utilizada en que tipos de dispositivos? (como pc, laptops, móviles, </a:t>
-            </a:r>
-            <a:r>
-              <a:rPr lang="es-PE" dirty="0" err="1"/>
-              <a:t>touch</a:t>
-            </a:r>
-            <a:r>
-              <a:rPr lang="es-PE" dirty="0"/>
-              <a:t> </a:t>
-            </a:r>
-            <a:r>
-              <a:rPr lang="es-PE" dirty="0" err="1"/>
-              <a:t>screen</a:t>
-            </a:r>
-            <a:r>
-              <a:rPr lang="es-PE" dirty="0"/>
-              <a:t>), en nuestro universo de usuarios existen personas discapacitadas?</a:t>
             </a:r>
           </a:p>
           <a:p>
@@ -10541,21 +10583,6 @@
 </file>
 
 <file path=customXml/item1.xml><?xml version="1.0" encoding="utf-8"?>
-<?mso-contentType ?>
-<FormTemplates xmlns="http://schemas.microsoft.com/sharepoint/v3/contenttype/forms">
-  <Display>DocumentLibraryForm</Display>
-  <Edit>DocumentLibraryForm</Edit>
-  <New>DocumentLibraryForm</New>
-</FormTemplates>
-</file>
-
-<file path=customXml/item2.xml><?xml version="1.0" encoding="utf-8"?>
-<p:properties xmlns:p="http://schemas.microsoft.com/office/2006/metadata/properties" xmlns:xsi="http://www.w3.org/2001/XMLSchema-instance">
-  <documentManagement/>
-</p:properties>
-</file>
-
-<file path=customXml/item3.xml><?xml version="1.0" encoding="utf-8"?>
 <ct:contentTypeSchema xmlns:ct="http://schemas.microsoft.com/office/2006/metadata/contentType" xmlns:ma="http://schemas.microsoft.com/office/2006/metadata/properties/metaAttributes" ct:_="" ma:_="" ma:contentTypeName="Documento" ma:contentTypeID="0x01010031C57D42E5CD8B45BF6EA414B87F138F" ma:contentTypeVersion="0" ma:contentTypeDescription="Crear nuevo documento." ma:contentTypeScope="" ma:versionID="b39d9b34af1b90dd72ca12ac7deffd0c">
   <xsd:schema xmlns:xsd="http://www.w3.org/2001/XMLSchema" xmlns:p="http://schemas.microsoft.com/office/2006/metadata/properties" targetNamespace="http://schemas.microsoft.com/office/2006/metadata/properties" ma:root="true" ma:fieldsID="b004d877ca112f136821ba8115f64728">
     <xsd:element name="properties">
@@ -10604,29 +10631,22 @@
 </ct:contentTypeSchema>
 </file>
 
-<file path=customXml/itemProps1.xml><?xml version="1.0" encoding="utf-8"?>
-<ds:datastoreItem xmlns:ds="http://schemas.openxmlformats.org/officeDocument/2006/customXml" ds:itemID="{F9790E25-1A69-47E0-8843-B8D7D53C4899}">
-  <ds:schemaRefs>
-    <ds:schemaRef ds:uri="http://schemas.microsoft.com/sharepoint/v3/contenttype/forms"/>
-  </ds:schemaRefs>
-</ds:datastoreItem>
+<file path=customXml/item2.xml><?xml version="1.0" encoding="utf-8"?>
+<p:properties xmlns:p="http://schemas.microsoft.com/office/2006/metadata/properties" xmlns:xsi="http://www.w3.org/2001/XMLSchema-instance">
+  <documentManagement/>
+</p:properties>
 </file>
 
-<file path=customXml/itemProps2.xml><?xml version="1.0" encoding="utf-8"?>
-<ds:datastoreItem xmlns:ds="http://schemas.openxmlformats.org/officeDocument/2006/customXml" ds:itemID="{C7ED7C54-85C9-4AC0-AD98-FC542214DBAB}">
-  <ds:schemaRefs>
-    <ds:schemaRef ds:uri="http://schemas.microsoft.com/office/2006/documentManagement/types"/>
-    <ds:schemaRef ds:uri="http://purl.org/dc/terms/"/>
-    <ds:schemaRef ds:uri="http://schemas.microsoft.com/office/2006/metadata/properties"/>
-    <ds:schemaRef ds:uri="http://purl.org/dc/elements/1.1/"/>
-    <ds:schemaRef ds:uri="http://purl.org/dc/dcmitype/"/>
-    <ds:schemaRef ds:uri="http://schemas.openxmlformats.org/package/2006/metadata/core-properties"/>
-    <ds:schemaRef ds:uri="http://www.w3.org/XML/1998/namespace"/>
-  </ds:schemaRefs>
-</ds:datastoreItem>
+<file path=customXml/item3.xml><?xml version="1.0" encoding="utf-8"?>
+<?mso-contentType ?>
+<FormTemplates xmlns="http://schemas.microsoft.com/sharepoint/v3/contenttype/forms">
+  <Display>DocumentLibraryForm</Display>
+  <Edit>DocumentLibraryForm</Edit>
+  <New>DocumentLibraryForm</New>
+</FormTemplates>
 </file>
 
-<file path=customXml/itemProps3.xml><?xml version="1.0" encoding="utf-8"?>
+<file path=customXml/itemProps1.xml><?xml version="1.0" encoding="utf-8"?>
 <ds:datastoreItem xmlns:ds="http://schemas.openxmlformats.org/officeDocument/2006/customXml" ds:itemID="{2FA943D3-8A87-4033-9403-CC8C8F1A715B}">
   <ds:schemaRefs>
     <ds:schemaRef ds:uri="http://schemas.microsoft.com/office/2006/metadata/contentType"/>
@@ -10639,4 +10659,26 @@
     <ds:schemaRef ds:uri="http://schemas.microsoft.com/office/internal/2005/internalDocumentation"/>
   </ds:schemaRefs>
 </ds:datastoreItem>
+</file>
+
+<file path=customXml/itemProps2.xml><?xml version="1.0" encoding="utf-8"?>
+<ds:datastoreItem xmlns:ds="http://schemas.openxmlformats.org/officeDocument/2006/customXml" ds:itemID="{C7ED7C54-85C9-4AC0-AD98-FC542214DBAB}">
+  <ds:schemaRefs>
+    <ds:schemaRef ds:uri="http://purl.org/dc/elements/1.1/"/>
+    <ds:schemaRef ds:uri="http://schemas.microsoft.com/office/2006/metadata/properties"/>
+    <ds:schemaRef ds:uri="http://purl.org/dc/terms/"/>
+    <ds:schemaRef ds:uri="http://schemas.openxmlformats.org/package/2006/metadata/core-properties"/>
+    <ds:schemaRef ds:uri="http://schemas.microsoft.com/office/2006/documentManagement/types"/>
+    <ds:schemaRef ds:uri="http://www.w3.org/XML/1998/namespace"/>
+    <ds:schemaRef ds:uri="http://purl.org/dc/dcmitype/"/>
+  </ds:schemaRefs>
+</ds:datastoreItem>
+</file>
+
+<file path=customXml/itemProps3.xml><?xml version="1.0" encoding="utf-8"?>
+<ds:datastoreItem xmlns:ds="http://schemas.openxmlformats.org/officeDocument/2006/customXml" ds:itemID="{F9790E25-1A69-47E0-8843-B8D7D53C4899}">
+  <ds:schemaRefs>
+    <ds:schemaRef ds:uri="http://schemas.microsoft.com/sharepoint/v3/contenttype/forms"/>
+  </ds:schemaRefs>
+</ds:datastoreItem>
 </file>